--- a/paper/ATE/images/CL.pptx
+++ b/paper/ATE/images/CL.pptx
@@ -7,7 +7,8 @@
   <p:sldIdLst>
     <p:sldId id="256" r:id="rId2"/>
     <p:sldId id="258" r:id="rId3"/>
-    <p:sldId id="257" r:id="rId4"/>
+    <p:sldId id="259" r:id="rId4"/>
+    <p:sldId id="257" r:id="rId5"/>
   </p:sldIdLst>
   <p:sldSz cx="12192000" cy="6858000"/>
   <p:notesSz cx="6858000" cy="9144000"/>
@@ -263,7 +264,7 @@
           <a:p>
             <a:fld id="{9B347302-7987-48BC-AA49-F1B089F3BA72}" type="datetimeFigureOut">
               <a:rPr lang="en-US" smtClean="0"/>
-              <a:t>6/19/2023</a:t>
+              <a:t>6/22/2023</a:t>
             </a:fld>
             <a:endParaRPr lang="en-US"/>
           </a:p>
@@ -463,7 +464,7 @@
           <a:p>
             <a:fld id="{9B347302-7987-48BC-AA49-F1B089F3BA72}" type="datetimeFigureOut">
               <a:rPr lang="en-US" smtClean="0"/>
-              <a:t>6/19/2023</a:t>
+              <a:t>6/22/2023</a:t>
             </a:fld>
             <a:endParaRPr lang="en-US"/>
           </a:p>
@@ -673,7 +674,7 @@
           <a:p>
             <a:fld id="{9B347302-7987-48BC-AA49-F1B089F3BA72}" type="datetimeFigureOut">
               <a:rPr lang="en-US" smtClean="0"/>
-              <a:t>6/19/2023</a:t>
+              <a:t>6/22/2023</a:t>
             </a:fld>
             <a:endParaRPr lang="en-US"/>
           </a:p>
@@ -873,7 +874,7 @@
           <a:p>
             <a:fld id="{9B347302-7987-48BC-AA49-F1B089F3BA72}" type="datetimeFigureOut">
               <a:rPr lang="en-US" smtClean="0"/>
-              <a:t>6/19/2023</a:t>
+              <a:t>6/22/2023</a:t>
             </a:fld>
             <a:endParaRPr lang="en-US"/>
           </a:p>
@@ -1149,7 +1150,7 @@
           <a:p>
             <a:fld id="{9B347302-7987-48BC-AA49-F1B089F3BA72}" type="datetimeFigureOut">
               <a:rPr lang="en-US" smtClean="0"/>
-              <a:t>6/19/2023</a:t>
+              <a:t>6/22/2023</a:t>
             </a:fld>
             <a:endParaRPr lang="en-US"/>
           </a:p>
@@ -1417,7 +1418,7 @@
           <a:p>
             <a:fld id="{9B347302-7987-48BC-AA49-F1B089F3BA72}" type="datetimeFigureOut">
               <a:rPr lang="en-US" smtClean="0"/>
-              <a:t>6/19/2023</a:t>
+              <a:t>6/22/2023</a:t>
             </a:fld>
             <a:endParaRPr lang="en-US"/>
           </a:p>
@@ -1832,7 +1833,7 @@
           <a:p>
             <a:fld id="{9B347302-7987-48BC-AA49-F1B089F3BA72}" type="datetimeFigureOut">
               <a:rPr lang="en-US" smtClean="0"/>
-              <a:t>6/19/2023</a:t>
+              <a:t>6/22/2023</a:t>
             </a:fld>
             <a:endParaRPr lang="en-US"/>
           </a:p>
@@ -1974,7 +1975,7 @@
           <a:p>
             <a:fld id="{9B347302-7987-48BC-AA49-F1B089F3BA72}" type="datetimeFigureOut">
               <a:rPr lang="en-US" smtClean="0"/>
-              <a:t>6/19/2023</a:t>
+              <a:t>6/22/2023</a:t>
             </a:fld>
             <a:endParaRPr lang="en-US"/>
           </a:p>
@@ -2087,7 +2088,7 @@
           <a:p>
             <a:fld id="{9B347302-7987-48BC-AA49-F1B089F3BA72}" type="datetimeFigureOut">
               <a:rPr lang="en-US" smtClean="0"/>
-              <a:t>6/19/2023</a:t>
+              <a:t>6/22/2023</a:t>
             </a:fld>
             <a:endParaRPr lang="en-US"/>
           </a:p>
@@ -2400,7 +2401,7 @@
           <a:p>
             <a:fld id="{9B347302-7987-48BC-AA49-F1B089F3BA72}" type="datetimeFigureOut">
               <a:rPr lang="en-US" smtClean="0"/>
-              <a:t>6/19/2023</a:t>
+              <a:t>6/22/2023</a:t>
             </a:fld>
             <a:endParaRPr lang="en-US"/>
           </a:p>
@@ -2689,7 +2690,7 @@
           <a:p>
             <a:fld id="{9B347302-7987-48BC-AA49-F1B089F3BA72}" type="datetimeFigureOut">
               <a:rPr lang="en-US" smtClean="0"/>
-              <a:t>6/19/2023</a:t>
+              <a:t>6/22/2023</a:t>
             </a:fld>
             <a:endParaRPr lang="en-US"/>
           </a:p>
@@ -2932,7 +2933,7 @@
           <a:p>
             <a:fld id="{9B347302-7987-48BC-AA49-F1B089F3BA72}" type="datetimeFigureOut">
               <a:rPr lang="en-US" smtClean="0"/>
-              <a:t>6/19/2023</a:t>
+              <a:t>6/22/2023</a:t>
             </a:fld>
             <a:endParaRPr lang="en-US"/>
           </a:p>
@@ -8593,6 +8594,3010 @@
           <a:chExt cx="0" cy="0"/>
         </a:xfrm>
       </p:grpSpPr>
+      <p:sp>
+        <p:nvSpPr>
+          <p:cNvPr id="28" name="BlokTextu 27">
+            <a:extLst>
+              <a:ext uri="{FF2B5EF4-FFF2-40B4-BE49-F238E27FC236}">
+                <a16:creationId xmlns:a16="http://schemas.microsoft.com/office/drawing/2014/main" id="{0200472F-A306-D1E5-A517-0D182DB788C5}"/>
+              </a:ext>
+            </a:extLst>
+          </p:cNvPr>
+          <p:cNvSpPr txBox="1"/>
+          <p:nvPr/>
+        </p:nvSpPr>
+        <p:spPr>
+          <a:xfrm>
+            <a:off x="7733965" y="3135562"/>
+            <a:ext cx="1215397" cy="584775"/>
+          </a:xfrm>
+          <a:prstGeom prst="rect">
+            <a:avLst/>
+          </a:prstGeom>
+          <a:noFill/>
+        </p:spPr>
+        <p:txBody>
+          <a:bodyPr wrap="square" rtlCol="0">
+            <a:spAutoFit/>
+          </a:bodyPr>
+          <a:lstStyle/>
+          <a:p>
+            <a:r>
+              <a:rPr lang="en-US" sz="3200" dirty="0">
+                <a:solidFill>
+                  <a:srgbClr val="0070C0"/>
+                </a:solidFill>
+                <a:latin typeface="Angsana New" panose="020B0502040204020203" pitchFamily="18" charset="-34"/>
+                <a:cs typeface="Angsana New" panose="020B0502040204020203" pitchFamily="18" charset="-34"/>
+              </a:rPr>
+              <a:t>Flow</a:t>
+            </a:r>
+            <a:r>
+              <a:rPr lang="sk-SK" sz="3200" dirty="0">
+                <a:solidFill>
+                  <a:srgbClr val="0070C0"/>
+                </a:solidFill>
+                <a:latin typeface="Angsana New" panose="020B0502040204020203" pitchFamily="18" charset="-34"/>
+                <a:cs typeface="Angsana New" panose="020B0502040204020203" pitchFamily="18" charset="-34"/>
+              </a:rPr>
+              <a:t> rate</a:t>
+            </a:r>
+            <a:endParaRPr lang="en-US" dirty="0">
+              <a:solidFill>
+                <a:srgbClr val="0070C0"/>
+              </a:solidFill>
+              <a:latin typeface="Angsana New" panose="020B0502040204020203" pitchFamily="18" charset="-34"/>
+              <a:cs typeface="Angsana New" panose="020B0502040204020203" pitchFamily="18" charset="-34"/>
+            </a:endParaRPr>
+          </a:p>
+        </p:txBody>
+      </p:sp>
+      <p:grpSp>
+        <p:nvGrpSpPr>
+          <p:cNvPr id="5" name="Skupina 4">
+            <a:extLst>
+              <a:ext uri="{FF2B5EF4-FFF2-40B4-BE49-F238E27FC236}">
+                <a16:creationId xmlns:a16="http://schemas.microsoft.com/office/drawing/2014/main" id="{120BCF85-224B-CB1E-8666-18AA80817863}"/>
+              </a:ext>
+            </a:extLst>
+          </p:cNvPr>
+          <p:cNvGrpSpPr/>
+          <p:nvPr/>
+        </p:nvGrpSpPr>
+        <p:grpSpPr>
+          <a:xfrm>
+            <a:off x="71001" y="1283874"/>
+            <a:ext cx="12250504" cy="4196220"/>
+            <a:chOff x="360911" y="1062243"/>
+            <a:chExt cx="11943555" cy="3879703"/>
+          </a:xfrm>
+        </p:grpSpPr>
+        <p:grpSp>
+          <p:nvGrpSpPr>
+            <p:cNvPr id="79" name="Skupina 78">
+              <a:extLst>
+                <a:ext uri="{FF2B5EF4-FFF2-40B4-BE49-F238E27FC236}">
+                  <a16:creationId xmlns:a16="http://schemas.microsoft.com/office/drawing/2014/main" id="{ECC27658-82C6-247F-6F8A-0D04AAD46F74}"/>
+                </a:ext>
+              </a:extLst>
+            </p:cNvPr>
+            <p:cNvGrpSpPr/>
+            <p:nvPr/>
+          </p:nvGrpSpPr>
+          <p:grpSpPr>
+            <a:xfrm>
+              <a:off x="5104683" y="2260729"/>
+              <a:ext cx="1406154" cy="1334080"/>
+              <a:chOff x="4955286" y="2547708"/>
+              <a:chExt cx="1653931" cy="769357"/>
+            </a:xfrm>
+          </p:grpSpPr>
+          <p:sp>
+            <p:nvSpPr>
+              <p:cNvPr id="66" name="Obdĺžnik 65">
+                <a:extLst>
+                  <a:ext uri="{FF2B5EF4-FFF2-40B4-BE49-F238E27FC236}">
+                    <a16:creationId xmlns:a16="http://schemas.microsoft.com/office/drawing/2014/main" id="{FCA4F90B-CDAF-E796-957E-8C449EB2DA38}"/>
+                  </a:ext>
+                </a:extLst>
+              </p:cNvPr>
+              <p:cNvSpPr/>
+              <p:nvPr/>
+            </p:nvSpPr>
+            <p:spPr>
+              <a:xfrm>
+                <a:off x="4978762" y="2547708"/>
+                <a:ext cx="1538183" cy="769357"/>
+              </a:xfrm>
+              <a:prstGeom prst="rect">
+                <a:avLst/>
+              </a:prstGeom>
+              <a:noFill/>
+              <a:ln w="28575">
+                <a:solidFill>
+                  <a:schemeClr val="tx2"/>
+                </a:solidFill>
+              </a:ln>
+            </p:spPr>
+            <p:style>
+              <a:lnRef idx="2">
+                <a:schemeClr val="accent1">
+                  <a:shade val="50000"/>
+                </a:schemeClr>
+              </a:lnRef>
+              <a:fillRef idx="1">
+                <a:schemeClr val="accent1"/>
+              </a:fillRef>
+              <a:effectRef idx="0">
+                <a:schemeClr val="accent1"/>
+              </a:effectRef>
+              <a:fontRef idx="minor">
+                <a:schemeClr val="lt1"/>
+              </a:fontRef>
+            </p:style>
+            <p:txBody>
+              <a:bodyPr rtlCol="0" anchor="ctr"/>
+              <a:lstStyle/>
+              <a:p>
+                <a:pPr algn="ctr"/>
+                <a:endParaRPr lang="en-US"/>
+              </a:p>
+            </p:txBody>
+          </p:sp>
+          <p:sp>
+            <p:nvSpPr>
+              <p:cNvPr id="71" name="BlokTextu 70">
+                <a:extLst>
+                  <a:ext uri="{FF2B5EF4-FFF2-40B4-BE49-F238E27FC236}">
+                    <a16:creationId xmlns:a16="http://schemas.microsoft.com/office/drawing/2014/main" id="{991C7F86-199B-5849-797D-0AEF5AC9B985}"/>
+                  </a:ext>
+                </a:extLst>
+              </p:cNvPr>
+              <p:cNvSpPr txBox="1"/>
+              <p:nvPr/>
+            </p:nvSpPr>
+            <p:spPr>
+              <a:xfrm>
+                <a:off x="4955286" y="2757110"/>
+                <a:ext cx="1653931" cy="337237"/>
+              </a:xfrm>
+              <a:prstGeom prst="rect">
+                <a:avLst/>
+              </a:prstGeom>
+              <a:noFill/>
+            </p:spPr>
+            <p:txBody>
+              <a:bodyPr wrap="none" rtlCol="0">
+                <a:spAutoFit/>
+              </a:bodyPr>
+              <a:lstStyle/>
+              <a:p>
+                <a:r>
+                  <a:rPr lang="en-US" sz="3200" dirty="0">
+                    <a:latin typeface="Angsana New" panose="020B0502040204020203" pitchFamily="18" charset="-34"/>
+                    <a:cs typeface="Angsana New" panose="020B0502040204020203" pitchFamily="18" charset="-34"/>
+                  </a:rPr>
+                  <a:t>Self-tuning</a:t>
+                </a:r>
+                <a:endParaRPr lang="en-US" dirty="0">
+                  <a:latin typeface="Angsana New" panose="020B0502040204020203" pitchFamily="18" charset="-34"/>
+                  <a:cs typeface="Angsana New" panose="020B0502040204020203" pitchFamily="18" charset="-34"/>
+                </a:endParaRPr>
+              </a:p>
+            </p:txBody>
+          </p:sp>
+        </p:grpSp>
+        <p:grpSp>
+          <p:nvGrpSpPr>
+            <p:cNvPr id="80" name="Skupina 79">
+              <a:extLst>
+                <a:ext uri="{FF2B5EF4-FFF2-40B4-BE49-F238E27FC236}">
+                  <a16:creationId xmlns:a16="http://schemas.microsoft.com/office/drawing/2014/main" id="{1B023723-56B1-6EA1-542E-053B1AF3BD0E}"/>
+                </a:ext>
+              </a:extLst>
+            </p:cNvPr>
+            <p:cNvGrpSpPr/>
+            <p:nvPr/>
+          </p:nvGrpSpPr>
+          <p:grpSpPr>
+            <a:xfrm>
+              <a:off x="8940401" y="2535152"/>
+              <a:ext cx="1879041" cy="769357"/>
+              <a:chOff x="9052647" y="2539769"/>
+              <a:chExt cx="1879041" cy="769357"/>
+            </a:xfrm>
+          </p:grpSpPr>
+          <p:sp>
+            <p:nvSpPr>
+              <p:cNvPr id="67" name="Obdĺžnik 66">
+                <a:extLst>
+                  <a:ext uri="{FF2B5EF4-FFF2-40B4-BE49-F238E27FC236}">
+                    <a16:creationId xmlns:a16="http://schemas.microsoft.com/office/drawing/2014/main" id="{D358A595-638F-A524-5F6E-E2436DB7B9F6}"/>
+                  </a:ext>
+                </a:extLst>
+              </p:cNvPr>
+              <p:cNvSpPr/>
+              <p:nvPr/>
+            </p:nvSpPr>
+            <p:spPr>
+              <a:xfrm>
+                <a:off x="9102146" y="2539769"/>
+                <a:ext cx="1722474" cy="769357"/>
+              </a:xfrm>
+              <a:prstGeom prst="rect">
+                <a:avLst/>
+              </a:prstGeom>
+              <a:noFill/>
+              <a:ln w="28575">
+                <a:solidFill>
+                  <a:schemeClr val="tx2"/>
+                </a:solidFill>
+              </a:ln>
+            </p:spPr>
+            <p:style>
+              <a:lnRef idx="2">
+                <a:schemeClr val="accent1">
+                  <a:shade val="50000"/>
+                </a:schemeClr>
+              </a:lnRef>
+              <a:fillRef idx="1">
+                <a:schemeClr val="accent1"/>
+              </a:fillRef>
+              <a:effectRef idx="0">
+                <a:schemeClr val="accent1"/>
+              </a:effectRef>
+              <a:fontRef idx="minor">
+                <a:schemeClr val="lt1"/>
+              </a:fontRef>
+            </p:style>
+            <p:txBody>
+              <a:bodyPr rtlCol="0" anchor="ctr"/>
+              <a:lstStyle/>
+              <a:p>
+                <a:pPr algn="ctr"/>
+                <a:endParaRPr lang="en-US"/>
+              </a:p>
+            </p:txBody>
+          </p:sp>
+          <p:sp>
+            <p:nvSpPr>
+              <p:cNvPr id="72" name="BlokTextu 71">
+                <a:extLst>
+                  <a:ext uri="{FF2B5EF4-FFF2-40B4-BE49-F238E27FC236}">
+                    <a16:creationId xmlns:a16="http://schemas.microsoft.com/office/drawing/2014/main" id="{B302E14F-B460-33B0-4780-3E546EB8D7E8}"/>
+                  </a:ext>
+                </a:extLst>
+              </p:cNvPr>
+              <p:cNvSpPr txBox="1"/>
+              <p:nvPr/>
+            </p:nvSpPr>
+            <p:spPr>
+              <a:xfrm>
+                <a:off x="9052647" y="2637443"/>
+                <a:ext cx="1879041" cy="584775"/>
+              </a:xfrm>
+              <a:prstGeom prst="rect">
+                <a:avLst/>
+              </a:prstGeom>
+              <a:noFill/>
+            </p:spPr>
+            <p:txBody>
+              <a:bodyPr wrap="none" rtlCol="0">
+                <a:spAutoFit/>
+              </a:bodyPr>
+              <a:lstStyle/>
+              <a:p>
+                <a:r>
+                  <a:rPr lang="en-US" sz="3200" dirty="0">
+                    <a:latin typeface="Angsana New" panose="020B0502040204020203" pitchFamily="18" charset="-34"/>
+                    <a:cs typeface="Angsana New" panose="020B0502040204020203" pitchFamily="18" charset="-34"/>
+                  </a:rPr>
+                  <a:t>Heat exchanger</a:t>
+                </a:r>
+                <a:endParaRPr lang="en-US" dirty="0">
+                  <a:latin typeface="Angsana New" panose="020B0502040204020203" pitchFamily="18" charset="-34"/>
+                  <a:cs typeface="Angsana New" panose="020B0502040204020203" pitchFamily="18" charset="-34"/>
+                </a:endParaRPr>
+              </a:p>
+            </p:txBody>
+          </p:sp>
+        </p:grpSp>
+        <p:grpSp>
+          <p:nvGrpSpPr>
+            <p:cNvPr id="81" name="Skupina 80">
+              <a:extLst>
+                <a:ext uri="{FF2B5EF4-FFF2-40B4-BE49-F238E27FC236}">
+                  <a16:creationId xmlns:a16="http://schemas.microsoft.com/office/drawing/2014/main" id="{6FA2B696-6D01-ED13-6FD0-1A63EE3FC0C0}"/>
+                </a:ext>
+              </a:extLst>
+            </p:cNvPr>
+            <p:cNvGrpSpPr/>
+            <p:nvPr/>
+          </p:nvGrpSpPr>
+          <p:grpSpPr>
+            <a:xfrm>
+              <a:off x="6004039" y="4011801"/>
+              <a:ext cx="1307747" cy="769357"/>
+              <a:chOff x="6004039" y="4554131"/>
+              <a:chExt cx="1538184" cy="769357"/>
+            </a:xfrm>
+          </p:grpSpPr>
+          <p:sp>
+            <p:nvSpPr>
+              <p:cNvPr id="70" name="Obdĺžnik 69">
+                <a:extLst>
+                  <a:ext uri="{FF2B5EF4-FFF2-40B4-BE49-F238E27FC236}">
+                    <a16:creationId xmlns:a16="http://schemas.microsoft.com/office/drawing/2014/main" id="{B892158C-7CED-1E13-E558-DB67CAFAEF11}"/>
+                  </a:ext>
+                </a:extLst>
+              </p:cNvPr>
+              <p:cNvSpPr/>
+              <p:nvPr/>
+            </p:nvSpPr>
+            <p:spPr>
+              <a:xfrm>
+                <a:off x="6004039" y="4554131"/>
+                <a:ext cx="1538184" cy="769357"/>
+              </a:xfrm>
+              <a:prstGeom prst="rect">
+                <a:avLst/>
+              </a:prstGeom>
+              <a:noFill/>
+              <a:ln w="28575">
+                <a:solidFill>
+                  <a:schemeClr val="tx2"/>
+                </a:solidFill>
+              </a:ln>
+            </p:spPr>
+            <p:style>
+              <a:lnRef idx="2">
+                <a:schemeClr val="accent1">
+                  <a:shade val="50000"/>
+                </a:schemeClr>
+              </a:lnRef>
+              <a:fillRef idx="1">
+                <a:schemeClr val="accent1"/>
+              </a:fillRef>
+              <a:effectRef idx="0">
+                <a:schemeClr val="accent1"/>
+              </a:effectRef>
+              <a:fontRef idx="minor">
+                <a:schemeClr val="lt1"/>
+              </a:fontRef>
+            </p:style>
+            <p:txBody>
+              <a:bodyPr rtlCol="0" anchor="ctr"/>
+              <a:lstStyle/>
+              <a:p>
+                <a:pPr algn="ctr"/>
+                <a:endParaRPr lang="en-US"/>
+              </a:p>
+            </p:txBody>
+          </p:sp>
+          <p:sp>
+            <p:nvSpPr>
+              <p:cNvPr id="73" name="BlokTextu 72">
+                <a:extLst>
+                  <a:ext uri="{FF2B5EF4-FFF2-40B4-BE49-F238E27FC236}">
+                    <a16:creationId xmlns:a16="http://schemas.microsoft.com/office/drawing/2014/main" id="{A9F64071-9C6B-3403-A5F5-EC69DFCDD03C}"/>
+                  </a:ext>
+                </a:extLst>
+              </p:cNvPr>
+              <p:cNvSpPr txBox="1"/>
+              <p:nvPr/>
+            </p:nvSpPr>
+            <p:spPr>
+              <a:xfrm>
+                <a:off x="6048878" y="4639953"/>
+                <a:ext cx="1253870" cy="584775"/>
+              </a:xfrm>
+              <a:prstGeom prst="rect">
+                <a:avLst/>
+              </a:prstGeom>
+              <a:noFill/>
+            </p:spPr>
+            <p:txBody>
+              <a:bodyPr wrap="none" rtlCol="0">
+                <a:spAutoFit/>
+              </a:bodyPr>
+              <a:lstStyle/>
+              <a:p>
+                <a:r>
+                  <a:rPr lang="en-US" sz="3200" dirty="0">
+                    <a:latin typeface="Angsana New" panose="020B0502040204020203" pitchFamily="18" charset="-34"/>
+                    <a:cs typeface="Angsana New" panose="020B0502040204020203" pitchFamily="18" charset="-34"/>
+                  </a:rPr>
+                  <a:t>Integrator</a:t>
+                </a:r>
+                <a:endParaRPr lang="en-US" dirty="0">
+                  <a:latin typeface="Angsana New" panose="020B0502040204020203" pitchFamily="18" charset="-34"/>
+                  <a:cs typeface="Angsana New" panose="020B0502040204020203" pitchFamily="18" charset="-34"/>
+                </a:endParaRPr>
+              </a:p>
+            </p:txBody>
+          </p:sp>
+        </p:grpSp>
+        <p:grpSp>
+          <p:nvGrpSpPr>
+            <p:cNvPr id="77" name="Skupina 76">
+              <a:extLst>
+                <a:ext uri="{FF2B5EF4-FFF2-40B4-BE49-F238E27FC236}">
+                  <a16:creationId xmlns:a16="http://schemas.microsoft.com/office/drawing/2014/main" id="{24C4C0D2-7E54-BC55-556E-DACED1EB3B3B}"/>
+                </a:ext>
+              </a:extLst>
+            </p:cNvPr>
+            <p:cNvGrpSpPr/>
+            <p:nvPr/>
+          </p:nvGrpSpPr>
+          <p:grpSpPr>
+            <a:xfrm>
+              <a:off x="2978628" y="2023399"/>
+              <a:ext cx="1107362" cy="769357"/>
+              <a:chOff x="2984934" y="1697420"/>
+              <a:chExt cx="1107362" cy="769357"/>
+            </a:xfrm>
+          </p:grpSpPr>
+          <p:sp>
+            <p:nvSpPr>
+              <p:cNvPr id="68" name="Obdĺžnik 67">
+                <a:extLst>
+                  <a:ext uri="{FF2B5EF4-FFF2-40B4-BE49-F238E27FC236}">
+                    <a16:creationId xmlns:a16="http://schemas.microsoft.com/office/drawing/2014/main" id="{C3353759-38BB-30B9-5A62-3F4A75D64479}"/>
+                  </a:ext>
+                </a:extLst>
+              </p:cNvPr>
+              <p:cNvSpPr/>
+              <p:nvPr/>
+            </p:nvSpPr>
+            <p:spPr>
+              <a:xfrm>
+                <a:off x="2984934" y="1697420"/>
+                <a:ext cx="1104302" cy="769357"/>
+              </a:xfrm>
+              <a:prstGeom prst="rect">
+                <a:avLst/>
+              </a:prstGeom>
+              <a:noFill/>
+              <a:ln w="28575">
+                <a:solidFill>
+                  <a:schemeClr val="tx2"/>
+                </a:solidFill>
+              </a:ln>
+            </p:spPr>
+            <p:style>
+              <a:lnRef idx="2">
+                <a:schemeClr val="accent1">
+                  <a:shade val="50000"/>
+                </a:schemeClr>
+              </a:lnRef>
+              <a:fillRef idx="1">
+                <a:schemeClr val="accent1"/>
+              </a:fillRef>
+              <a:effectRef idx="0">
+                <a:schemeClr val="accent1"/>
+              </a:effectRef>
+              <a:fontRef idx="minor">
+                <a:schemeClr val="lt1"/>
+              </a:fontRef>
+            </p:style>
+            <p:txBody>
+              <a:bodyPr rtlCol="0" anchor="ctr"/>
+              <a:lstStyle/>
+              <a:p>
+                <a:pPr algn="ctr"/>
+                <a:endParaRPr lang="en-US" dirty="0"/>
+              </a:p>
+            </p:txBody>
+          </p:sp>
+          <p:sp>
+            <p:nvSpPr>
+              <p:cNvPr id="74" name="BlokTextu 73">
+                <a:extLst>
+                  <a:ext uri="{FF2B5EF4-FFF2-40B4-BE49-F238E27FC236}">
+                    <a16:creationId xmlns:a16="http://schemas.microsoft.com/office/drawing/2014/main" id="{5CD6211F-8AB8-0E9E-2B8A-1826899D53A4}"/>
+                  </a:ext>
+                </a:extLst>
+              </p:cNvPr>
+              <p:cNvSpPr txBox="1"/>
+              <p:nvPr/>
+            </p:nvSpPr>
+            <p:spPr>
+              <a:xfrm>
+                <a:off x="3038630" y="1789710"/>
+                <a:ext cx="1053666" cy="540666"/>
+              </a:xfrm>
+              <a:prstGeom prst="rect">
+                <a:avLst/>
+              </a:prstGeom>
+              <a:noFill/>
+            </p:spPr>
+            <p:txBody>
+              <a:bodyPr wrap="none" rtlCol="0">
+                <a:spAutoFit/>
+              </a:bodyPr>
+              <a:lstStyle/>
+              <a:p>
+                <a:r>
+                  <a:rPr lang="sk-SK" sz="3200" dirty="0">
+                    <a:latin typeface="Angsana New" panose="020B0502040204020203" pitchFamily="18" charset="-34"/>
+                    <a:cs typeface="Angsana New" panose="020B0502040204020203" pitchFamily="18" charset="-34"/>
+                  </a:rPr>
+                  <a:t>e</a:t>
+                </a:r>
+                <a:r>
+                  <a:rPr lang="en-US" sz="3200" dirty="0">
+                    <a:latin typeface="Angsana New" panose="020B0502040204020203" pitchFamily="18" charset="-34"/>
+                    <a:cs typeface="Angsana New" panose="020B0502040204020203" pitchFamily="18" charset="-34"/>
+                  </a:rPr>
+                  <a:t>MPC 1</a:t>
+                </a:r>
+                <a:endParaRPr lang="en-US" dirty="0">
+                  <a:latin typeface="Angsana New" panose="020B0502040204020203" pitchFamily="18" charset="-34"/>
+                  <a:cs typeface="Angsana New" panose="020B0502040204020203" pitchFamily="18" charset="-34"/>
+                </a:endParaRPr>
+              </a:p>
+            </p:txBody>
+          </p:sp>
+        </p:grpSp>
+        <p:grpSp>
+          <p:nvGrpSpPr>
+            <p:cNvPr id="78" name="Skupina 77">
+              <a:extLst>
+                <a:ext uri="{FF2B5EF4-FFF2-40B4-BE49-F238E27FC236}">
+                  <a16:creationId xmlns:a16="http://schemas.microsoft.com/office/drawing/2014/main" id="{52608F3C-D334-44B6-D4A2-FD79CF198AD6}"/>
+                </a:ext>
+              </a:extLst>
+            </p:cNvPr>
+            <p:cNvGrpSpPr/>
+            <p:nvPr/>
+          </p:nvGrpSpPr>
+          <p:grpSpPr>
+            <a:xfrm>
+              <a:off x="2978629" y="3044321"/>
+              <a:ext cx="1104302" cy="769357"/>
+              <a:chOff x="2984937" y="3317064"/>
+              <a:chExt cx="1104302" cy="769357"/>
+            </a:xfrm>
+          </p:grpSpPr>
+          <p:sp>
+            <p:nvSpPr>
+              <p:cNvPr id="69" name="Obdĺžnik 68">
+                <a:extLst>
+                  <a:ext uri="{FF2B5EF4-FFF2-40B4-BE49-F238E27FC236}">
+                    <a16:creationId xmlns:a16="http://schemas.microsoft.com/office/drawing/2014/main" id="{E47E5C81-9703-ABFB-9E40-E1E01BEAAAE8}"/>
+                  </a:ext>
+                </a:extLst>
+              </p:cNvPr>
+              <p:cNvSpPr/>
+              <p:nvPr/>
+            </p:nvSpPr>
+            <p:spPr>
+              <a:xfrm>
+                <a:off x="2984937" y="3317064"/>
+                <a:ext cx="1104301" cy="769357"/>
+              </a:xfrm>
+              <a:prstGeom prst="rect">
+                <a:avLst/>
+              </a:prstGeom>
+              <a:noFill/>
+              <a:ln w="28575">
+                <a:solidFill>
+                  <a:schemeClr val="tx2"/>
+                </a:solidFill>
+              </a:ln>
+            </p:spPr>
+            <p:style>
+              <a:lnRef idx="2">
+                <a:schemeClr val="accent1">
+                  <a:shade val="50000"/>
+                </a:schemeClr>
+              </a:lnRef>
+              <a:fillRef idx="1">
+                <a:schemeClr val="accent1"/>
+              </a:fillRef>
+              <a:effectRef idx="0">
+                <a:schemeClr val="accent1"/>
+              </a:effectRef>
+              <a:fontRef idx="minor">
+                <a:schemeClr val="lt1"/>
+              </a:fontRef>
+            </p:style>
+            <p:txBody>
+              <a:bodyPr rtlCol="0" anchor="ctr"/>
+              <a:lstStyle/>
+              <a:p>
+                <a:pPr algn="ctr"/>
+                <a:endParaRPr lang="en-US"/>
+              </a:p>
+            </p:txBody>
+          </p:sp>
+          <p:sp>
+            <p:nvSpPr>
+              <p:cNvPr id="75" name="BlokTextu 74">
+                <a:extLst>
+                  <a:ext uri="{FF2B5EF4-FFF2-40B4-BE49-F238E27FC236}">
+                    <a16:creationId xmlns:a16="http://schemas.microsoft.com/office/drawing/2014/main" id="{E0C85206-64DE-9B0B-E2AC-CF5B33F6A33B}"/>
+                  </a:ext>
+                </a:extLst>
+              </p:cNvPr>
+              <p:cNvSpPr txBox="1"/>
+              <p:nvPr/>
+            </p:nvSpPr>
+            <p:spPr>
+              <a:xfrm>
+                <a:off x="3035573" y="3409354"/>
+                <a:ext cx="1053666" cy="540666"/>
+              </a:xfrm>
+              <a:prstGeom prst="rect">
+                <a:avLst/>
+              </a:prstGeom>
+              <a:noFill/>
+            </p:spPr>
+            <p:txBody>
+              <a:bodyPr wrap="none" rtlCol="0">
+                <a:spAutoFit/>
+              </a:bodyPr>
+              <a:lstStyle/>
+              <a:p>
+                <a:r>
+                  <a:rPr lang="sk-SK" sz="3200" dirty="0">
+                    <a:latin typeface="Angsana New" panose="020B0502040204020203" pitchFamily="18" charset="-34"/>
+                    <a:cs typeface="Angsana New" panose="020B0502040204020203" pitchFamily="18" charset="-34"/>
+                  </a:rPr>
+                  <a:t>e</a:t>
+                </a:r>
+                <a:r>
+                  <a:rPr lang="en-US" sz="3200" dirty="0">
+                    <a:latin typeface="Angsana New" panose="020B0502040204020203" pitchFamily="18" charset="-34"/>
+                    <a:cs typeface="Angsana New" panose="020B0502040204020203" pitchFamily="18" charset="-34"/>
+                  </a:rPr>
+                  <a:t>MPC 2</a:t>
+                </a:r>
+                <a:endParaRPr lang="en-US" dirty="0">
+                  <a:latin typeface="Angsana New" panose="020B0502040204020203" pitchFamily="18" charset="-34"/>
+                  <a:cs typeface="Angsana New" panose="020B0502040204020203" pitchFamily="18" charset="-34"/>
+                </a:endParaRPr>
+              </a:p>
+            </p:txBody>
+          </p:sp>
+        </p:grpSp>
+        <p:sp>
+          <p:nvSpPr>
+            <p:cNvPr id="76" name="Obdĺžnik 75">
+              <a:extLst>
+                <a:ext uri="{FF2B5EF4-FFF2-40B4-BE49-F238E27FC236}">
+                  <a16:creationId xmlns:a16="http://schemas.microsoft.com/office/drawing/2014/main" id="{D4244E40-C17C-701E-6000-B6DFE6C51838}"/>
+                </a:ext>
+              </a:extLst>
+            </p:cNvPr>
+            <p:cNvSpPr/>
+            <p:nvPr/>
+          </p:nvSpPr>
+          <p:spPr>
+            <a:xfrm>
+              <a:off x="1980911" y="2408076"/>
+              <a:ext cx="49687" cy="1020922"/>
+            </a:xfrm>
+            <a:prstGeom prst="rect">
+              <a:avLst/>
+            </a:prstGeom>
+            <a:noFill/>
+            <a:ln w="28575">
+              <a:solidFill>
+                <a:schemeClr val="tx2"/>
+              </a:solidFill>
+            </a:ln>
+          </p:spPr>
+          <p:style>
+            <a:lnRef idx="2">
+              <a:schemeClr val="accent1">
+                <a:shade val="50000"/>
+              </a:schemeClr>
+            </a:lnRef>
+            <a:fillRef idx="1">
+              <a:schemeClr val="accent1"/>
+            </a:fillRef>
+            <a:effectRef idx="0">
+              <a:schemeClr val="accent1"/>
+            </a:effectRef>
+            <a:fontRef idx="minor">
+              <a:schemeClr val="lt1"/>
+            </a:fontRef>
+          </p:style>
+          <p:txBody>
+            <a:bodyPr rtlCol="0" anchor="ctr"/>
+            <a:lstStyle/>
+            <a:p>
+              <a:pPr algn="ctr"/>
+              <a:endParaRPr lang="en-US"/>
+            </a:p>
+          </p:txBody>
+        </p:sp>
+        <p:cxnSp>
+          <p:nvCxnSpPr>
+            <p:cNvPr id="83" name="Rovná spojovacia šípka 82">
+              <a:extLst>
+                <a:ext uri="{FF2B5EF4-FFF2-40B4-BE49-F238E27FC236}">
+                  <a16:creationId xmlns:a16="http://schemas.microsoft.com/office/drawing/2014/main" id="{CBA85946-4B6E-0133-9D31-164E8E3B882A}"/>
+                </a:ext>
+              </a:extLst>
+            </p:cNvPr>
+            <p:cNvCxnSpPr>
+              <a:cxnSpLocks/>
+              <a:stCxn id="66" idx="3"/>
+              <a:endCxn id="67" idx="1"/>
+            </p:cNvCxnSpPr>
+            <p:nvPr/>
+          </p:nvCxnSpPr>
+          <p:spPr>
+            <a:xfrm flipV="1">
+              <a:off x="6432388" y="2919831"/>
+              <a:ext cx="2557511" cy="7938"/>
+            </a:xfrm>
+            <a:prstGeom prst="straightConnector1">
+              <a:avLst/>
+            </a:prstGeom>
+            <a:ln w="19050">
+              <a:solidFill>
+                <a:schemeClr val="tx2"/>
+              </a:solidFill>
+              <a:tailEnd type="triangle"/>
+            </a:ln>
+          </p:spPr>
+          <p:style>
+            <a:lnRef idx="1">
+              <a:schemeClr val="accent1"/>
+            </a:lnRef>
+            <a:fillRef idx="0">
+              <a:schemeClr val="accent1"/>
+            </a:fillRef>
+            <a:effectRef idx="0">
+              <a:schemeClr val="accent1"/>
+            </a:effectRef>
+            <a:fontRef idx="minor">
+              <a:schemeClr val="tx1"/>
+            </a:fontRef>
+          </p:style>
+        </p:cxnSp>
+        <p:cxnSp>
+          <p:nvCxnSpPr>
+            <p:cNvPr id="84" name="Rovná spojovacia šípka 83">
+              <a:extLst>
+                <a:ext uri="{FF2B5EF4-FFF2-40B4-BE49-F238E27FC236}">
+                  <a16:creationId xmlns:a16="http://schemas.microsoft.com/office/drawing/2014/main" id="{E84A371D-11B1-A854-C8C3-1303271CCB54}"/>
+                </a:ext>
+              </a:extLst>
+            </p:cNvPr>
+            <p:cNvCxnSpPr>
+              <a:cxnSpLocks/>
+            </p:cNvCxnSpPr>
+            <p:nvPr/>
+          </p:nvCxnSpPr>
+          <p:spPr>
+            <a:xfrm flipV="1">
+              <a:off x="10712375" y="2920843"/>
+              <a:ext cx="1368821" cy="2308"/>
+            </a:xfrm>
+            <a:prstGeom prst="straightConnector1">
+              <a:avLst/>
+            </a:prstGeom>
+            <a:ln w="19050">
+              <a:solidFill>
+                <a:schemeClr val="tx2"/>
+              </a:solidFill>
+              <a:tailEnd type="triangle"/>
+            </a:ln>
+          </p:spPr>
+          <p:style>
+            <a:lnRef idx="1">
+              <a:schemeClr val="accent1"/>
+            </a:lnRef>
+            <a:fillRef idx="0">
+              <a:schemeClr val="accent1"/>
+            </a:fillRef>
+            <a:effectRef idx="0">
+              <a:schemeClr val="accent1"/>
+            </a:effectRef>
+            <a:fontRef idx="minor">
+              <a:schemeClr val="tx1"/>
+            </a:fontRef>
+          </p:style>
+        </p:cxnSp>
+        <p:cxnSp>
+          <p:nvCxnSpPr>
+            <p:cNvPr id="85" name="Rovná spojovacia šípka 84">
+              <a:extLst>
+                <a:ext uri="{FF2B5EF4-FFF2-40B4-BE49-F238E27FC236}">
+                  <a16:creationId xmlns:a16="http://schemas.microsoft.com/office/drawing/2014/main" id="{A15B0900-F837-BC23-6F0A-93BF3991D3B2}"/>
+                </a:ext>
+              </a:extLst>
+            </p:cNvPr>
+            <p:cNvCxnSpPr>
+              <a:cxnSpLocks/>
+              <a:stCxn id="74" idx="3"/>
+            </p:cNvCxnSpPr>
+            <p:nvPr/>
+          </p:nvCxnSpPr>
+          <p:spPr>
+            <a:xfrm flipV="1">
+              <a:off x="4085990" y="2381596"/>
+              <a:ext cx="1018694" cy="4427"/>
+            </a:xfrm>
+            <a:prstGeom prst="straightConnector1">
+              <a:avLst/>
+            </a:prstGeom>
+            <a:ln w="19050">
+              <a:solidFill>
+                <a:schemeClr val="tx2"/>
+              </a:solidFill>
+              <a:tailEnd type="triangle"/>
+            </a:ln>
+          </p:spPr>
+          <p:style>
+            <a:lnRef idx="1">
+              <a:schemeClr val="accent1"/>
+            </a:lnRef>
+            <a:fillRef idx="0">
+              <a:schemeClr val="accent1"/>
+            </a:fillRef>
+            <a:effectRef idx="0">
+              <a:schemeClr val="accent1"/>
+            </a:effectRef>
+            <a:fontRef idx="minor">
+              <a:schemeClr val="tx1"/>
+            </a:fontRef>
+          </p:style>
+        </p:cxnSp>
+        <p:cxnSp>
+          <p:nvCxnSpPr>
+            <p:cNvPr id="86" name="Rovná spojovacia šípka 85">
+              <a:extLst>
+                <a:ext uri="{FF2B5EF4-FFF2-40B4-BE49-F238E27FC236}">
+                  <a16:creationId xmlns:a16="http://schemas.microsoft.com/office/drawing/2014/main" id="{94D4A244-03DE-7105-5736-F1E173767A16}"/>
+                </a:ext>
+              </a:extLst>
+            </p:cNvPr>
+            <p:cNvCxnSpPr>
+              <a:cxnSpLocks/>
+              <a:stCxn id="69" idx="3"/>
+            </p:cNvCxnSpPr>
+            <p:nvPr/>
+          </p:nvCxnSpPr>
+          <p:spPr>
+            <a:xfrm flipV="1">
+              <a:off x="4082930" y="3420158"/>
+              <a:ext cx="1021753" cy="8842"/>
+            </a:xfrm>
+            <a:prstGeom prst="straightConnector1">
+              <a:avLst/>
+            </a:prstGeom>
+            <a:ln w="19050">
+              <a:solidFill>
+                <a:schemeClr val="tx2"/>
+              </a:solidFill>
+              <a:tailEnd type="triangle"/>
+            </a:ln>
+          </p:spPr>
+          <p:style>
+            <a:lnRef idx="1">
+              <a:schemeClr val="accent1"/>
+            </a:lnRef>
+            <a:fillRef idx="0">
+              <a:schemeClr val="accent1"/>
+            </a:fillRef>
+            <a:effectRef idx="0">
+              <a:schemeClr val="accent1"/>
+            </a:effectRef>
+            <a:fontRef idx="minor">
+              <a:schemeClr val="tx1"/>
+            </a:fontRef>
+          </p:style>
+        </p:cxnSp>
+        <p:cxnSp>
+          <p:nvCxnSpPr>
+            <p:cNvPr id="89" name="Rovná spojovacia šípka 88">
+              <a:extLst>
+                <a:ext uri="{FF2B5EF4-FFF2-40B4-BE49-F238E27FC236}">
+                  <a16:creationId xmlns:a16="http://schemas.microsoft.com/office/drawing/2014/main" id="{2AD07A18-2108-BAC4-079F-C7BA127919F3}"/>
+                </a:ext>
+              </a:extLst>
+            </p:cNvPr>
+            <p:cNvCxnSpPr/>
+            <p:nvPr/>
+          </p:nvCxnSpPr>
+          <p:spPr>
+            <a:xfrm flipV="1">
+              <a:off x="2615379" y="2417485"/>
+              <a:ext cx="360000" cy="2308"/>
+            </a:xfrm>
+            <a:prstGeom prst="straightConnector1">
+              <a:avLst/>
+            </a:prstGeom>
+            <a:ln w="19050">
+              <a:solidFill>
+                <a:schemeClr val="tx2"/>
+              </a:solidFill>
+              <a:tailEnd type="triangle"/>
+            </a:ln>
+          </p:spPr>
+          <p:style>
+            <a:lnRef idx="1">
+              <a:schemeClr val="accent1"/>
+            </a:lnRef>
+            <a:fillRef idx="0">
+              <a:schemeClr val="accent1"/>
+            </a:fillRef>
+            <a:effectRef idx="0">
+              <a:schemeClr val="accent1"/>
+            </a:effectRef>
+            <a:fontRef idx="minor">
+              <a:schemeClr val="tx1"/>
+            </a:fontRef>
+          </p:style>
+        </p:cxnSp>
+        <p:cxnSp>
+          <p:nvCxnSpPr>
+            <p:cNvPr id="90" name="Rovná spojovacia šípka 89">
+              <a:extLst>
+                <a:ext uri="{FF2B5EF4-FFF2-40B4-BE49-F238E27FC236}">
+                  <a16:creationId xmlns:a16="http://schemas.microsoft.com/office/drawing/2014/main" id="{188D8094-308F-6D72-1D74-4368F4CCC7BC}"/>
+                </a:ext>
+              </a:extLst>
+            </p:cNvPr>
+            <p:cNvCxnSpPr/>
+            <p:nvPr/>
+          </p:nvCxnSpPr>
+          <p:spPr>
+            <a:xfrm flipV="1">
+              <a:off x="2615379" y="3428998"/>
+              <a:ext cx="360000" cy="2308"/>
+            </a:xfrm>
+            <a:prstGeom prst="straightConnector1">
+              <a:avLst/>
+            </a:prstGeom>
+            <a:ln w="19050">
+              <a:solidFill>
+                <a:schemeClr val="tx2"/>
+              </a:solidFill>
+              <a:tailEnd type="triangle"/>
+            </a:ln>
+          </p:spPr>
+          <p:style>
+            <a:lnRef idx="1">
+              <a:schemeClr val="accent1"/>
+            </a:lnRef>
+            <a:fillRef idx="0">
+              <a:schemeClr val="accent1"/>
+            </a:fillRef>
+            <a:effectRef idx="0">
+              <a:schemeClr val="accent1"/>
+            </a:effectRef>
+            <a:fontRef idx="minor">
+              <a:schemeClr val="tx1"/>
+            </a:fontRef>
+          </p:style>
+        </p:cxnSp>
+        <p:cxnSp>
+          <p:nvCxnSpPr>
+            <p:cNvPr id="92" name="Rovná spojnica 91">
+              <a:extLst>
+                <a:ext uri="{FF2B5EF4-FFF2-40B4-BE49-F238E27FC236}">
+                  <a16:creationId xmlns:a16="http://schemas.microsoft.com/office/drawing/2014/main" id="{D4608986-020C-61AB-9EB7-068A85656A16}"/>
+                </a:ext>
+              </a:extLst>
+            </p:cNvPr>
+            <p:cNvCxnSpPr/>
+            <p:nvPr/>
+          </p:nvCxnSpPr>
+          <p:spPr>
+            <a:xfrm>
+              <a:off x="2615379" y="2417485"/>
+              <a:ext cx="0" cy="1011513"/>
+            </a:xfrm>
+            <a:prstGeom prst="line">
+              <a:avLst/>
+            </a:prstGeom>
+            <a:ln w="19050">
+              <a:solidFill>
+                <a:schemeClr val="tx2"/>
+              </a:solidFill>
+            </a:ln>
+          </p:spPr>
+          <p:style>
+            <a:lnRef idx="1">
+              <a:schemeClr val="accent1"/>
+            </a:lnRef>
+            <a:fillRef idx="0">
+              <a:schemeClr val="accent1"/>
+            </a:fillRef>
+            <a:effectRef idx="0">
+              <a:schemeClr val="accent1"/>
+            </a:effectRef>
+            <a:fontRef idx="minor">
+              <a:schemeClr val="tx1"/>
+            </a:fontRef>
+          </p:style>
+        </p:cxnSp>
+        <p:cxnSp>
+          <p:nvCxnSpPr>
+            <p:cNvPr id="93" name="Rovná spojnica 92">
+              <a:extLst>
+                <a:ext uri="{FF2B5EF4-FFF2-40B4-BE49-F238E27FC236}">
+                  <a16:creationId xmlns:a16="http://schemas.microsoft.com/office/drawing/2014/main" id="{1768B7F4-2EA1-3F71-E2FA-D34625A2F37F}"/>
+                </a:ext>
+              </a:extLst>
+            </p:cNvPr>
+            <p:cNvCxnSpPr>
+              <a:cxnSpLocks/>
+            </p:cNvCxnSpPr>
+            <p:nvPr/>
+          </p:nvCxnSpPr>
+          <p:spPr>
+            <a:xfrm flipH="1">
+              <a:off x="2039379" y="2916225"/>
+              <a:ext cx="576000" cy="0"/>
+            </a:xfrm>
+            <a:prstGeom prst="line">
+              <a:avLst/>
+            </a:prstGeom>
+            <a:ln w="19050">
+              <a:solidFill>
+                <a:schemeClr val="tx2"/>
+              </a:solidFill>
+            </a:ln>
+          </p:spPr>
+          <p:style>
+            <a:lnRef idx="1">
+              <a:schemeClr val="accent1"/>
+            </a:lnRef>
+            <a:fillRef idx="0">
+              <a:schemeClr val="accent1"/>
+            </a:fillRef>
+            <a:effectRef idx="0">
+              <a:schemeClr val="accent1"/>
+            </a:effectRef>
+            <a:fontRef idx="minor">
+              <a:schemeClr val="tx1"/>
+            </a:fontRef>
+          </p:style>
+        </p:cxnSp>
+        <p:cxnSp>
+          <p:nvCxnSpPr>
+            <p:cNvPr id="97" name="Rovná spojnica 96">
+              <a:extLst>
+                <a:ext uri="{FF2B5EF4-FFF2-40B4-BE49-F238E27FC236}">
+                  <a16:creationId xmlns:a16="http://schemas.microsoft.com/office/drawing/2014/main" id="{B65E7155-0FBC-565A-B8C3-9EB21F82B895}"/>
+                </a:ext>
+              </a:extLst>
+            </p:cNvPr>
+            <p:cNvCxnSpPr>
+              <a:cxnSpLocks/>
+            </p:cNvCxnSpPr>
+            <p:nvPr/>
+          </p:nvCxnSpPr>
+          <p:spPr>
+            <a:xfrm flipH="1">
+              <a:off x="1460320" y="4398780"/>
+              <a:ext cx="4536000" cy="0"/>
+            </a:xfrm>
+            <a:prstGeom prst="line">
+              <a:avLst/>
+            </a:prstGeom>
+            <a:ln w="19050">
+              <a:solidFill>
+                <a:schemeClr val="tx2"/>
+              </a:solidFill>
+            </a:ln>
+          </p:spPr>
+          <p:style>
+            <a:lnRef idx="1">
+              <a:schemeClr val="accent1"/>
+            </a:lnRef>
+            <a:fillRef idx="0">
+              <a:schemeClr val="accent1"/>
+            </a:fillRef>
+            <a:effectRef idx="0">
+              <a:schemeClr val="accent1"/>
+            </a:effectRef>
+            <a:fontRef idx="minor">
+              <a:schemeClr val="tx1"/>
+            </a:fontRef>
+          </p:style>
+        </p:cxnSp>
+        <p:cxnSp>
+          <p:nvCxnSpPr>
+            <p:cNvPr id="98" name="Rovná spojovacia šípka 97">
+              <a:extLst>
+                <a:ext uri="{FF2B5EF4-FFF2-40B4-BE49-F238E27FC236}">
+                  <a16:creationId xmlns:a16="http://schemas.microsoft.com/office/drawing/2014/main" id="{B6BE4244-5A9D-E297-8385-0594ACBEE4A0}"/>
+                </a:ext>
+              </a:extLst>
+            </p:cNvPr>
+            <p:cNvCxnSpPr>
+              <a:cxnSpLocks/>
+              <a:endCxn id="70" idx="3"/>
+            </p:cNvCxnSpPr>
+            <p:nvPr/>
+          </p:nvCxnSpPr>
+          <p:spPr>
+            <a:xfrm flipH="1">
+              <a:off x="7311784" y="4396478"/>
+              <a:ext cx="3474700" cy="2"/>
+            </a:xfrm>
+            <a:prstGeom prst="straightConnector1">
+              <a:avLst/>
+            </a:prstGeom>
+            <a:ln w="19050">
+              <a:solidFill>
+                <a:schemeClr val="tx2"/>
+              </a:solidFill>
+              <a:tailEnd type="triangle"/>
+            </a:ln>
+          </p:spPr>
+          <p:style>
+            <a:lnRef idx="1">
+              <a:schemeClr val="accent1"/>
+            </a:lnRef>
+            <a:fillRef idx="0">
+              <a:schemeClr val="accent1"/>
+            </a:fillRef>
+            <a:effectRef idx="0">
+              <a:schemeClr val="accent1"/>
+            </a:effectRef>
+            <a:fontRef idx="minor">
+              <a:schemeClr val="tx1"/>
+            </a:fontRef>
+          </p:style>
+        </p:cxnSp>
+        <p:cxnSp>
+          <p:nvCxnSpPr>
+            <p:cNvPr id="101" name="Rovná spojnica 100">
+              <a:extLst>
+                <a:ext uri="{FF2B5EF4-FFF2-40B4-BE49-F238E27FC236}">
+                  <a16:creationId xmlns:a16="http://schemas.microsoft.com/office/drawing/2014/main" id="{92136E9C-5AD6-6494-BFFA-50CF5A13DE56}"/>
+                </a:ext>
+              </a:extLst>
+            </p:cNvPr>
+            <p:cNvCxnSpPr>
+              <a:cxnSpLocks/>
+            </p:cNvCxnSpPr>
+            <p:nvPr/>
+          </p:nvCxnSpPr>
+          <p:spPr>
+            <a:xfrm>
+              <a:off x="10775362" y="2923151"/>
+              <a:ext cx="0" cy="2017959"/>
+            </a:xfrm>
+            <a:prstGeom prst="line">
+              <a:avLst/>
+            </a:prstGeom>
+            <a:ln w="19050">
+              <a:solidFill>
+                <a:schemeClr val="tx2"/>
+              </a:solidFill>
+            </a:ln>
+          </p:spPr>
+          <p:style>
+            <a:lnRef idx="1">
+              <a:schemeClr val="accent1"/>
+            </a:lnRef>
+            <a:fillRef idx="0">
+              <a:schemeClr val="accent1"/>
+            </a:fillRef>
+            <a:effectRef idx="0">
+              <a:schemeClr val="accent1"/>
+            </a:effectRef>
+            <a:fontRef idx="minor">
+              <a:schemeClr val="tx1"/>
+            </a:fontRef>
+          </p:style>
+        </p:cxnSp>
+        <p:cxnSp>
+          <p:nvCxnSpPr>
+            <p:cNvPr id="105" name="Rovná spojnica 104">
+              <a:extLst>
+                <a:ext uri="{FF2B5EF4-FFF2-40B4-BE49-F238E27FC236}">
+                  <a16:creationId xmlns:a16="http://schemas.microsoft.com/office/drawing/2014/main" id="{548FBA50-3C92-DB12-0D2D-5D281FA6B65C}"/>
+                </a:ext>
+              </a:extLst>
+            </p:cNvPr>
+            <p:cNvCxnSpPr>
+              <a:cxnSpLocks/>
+            </p:cNvCxnSpPr>
+            <p:nvPr/>
+          </p:nvCxnSpPr>
+          <p:spPr>
+            <a:xfrm flipH="1">
+              <a:off x="1166648" y="4941110"/>
+              <a:ext cx="9616848" cy="0"/>
+            </a:xfrm>
+            <a:prstGeom prst="line">
+              <a:avLst/>
+            </a:prstGeom>
+            <a:ln w="19050">
+              <a:solidFill>
+                <a:schemeClr val="tx2"/>
+              </a:solidFill>
+            </a:ln>
+          </p:spPr>
+          <p:style>
+            <a:lnRef idx="1">
+              <a:schemeClr val="accent1"/>
+            </a:lnRef>
+            <a:fillRef idx="0">
+              <a:schemeClr val="accent1"/>
+            </a:fillRef>
+            <a:effectRef idx="0">
+              <a:schemeClr val="accent1"/>
+            </a:effectRef>
+            <a:fontRef idx="minor">
+              <a:schemeClr val="tx1"/>
+            </a:fontRef>
+          </p:style>
+        </p:cxnSp>
+        <p:cxnSp>
+          <p:nvCxnSpPr>
+            <p:cNvPr id="107" name="Rovná spojnica 106">
+              <a:extLst>
+                <a:ext uri="{FF2B5EF4-FFF2-40B4-BE49-F238E27FC236}">
+                  <a16:creationId xmlns:a16="http://schemas.microsoft.com/office/drawing/2014/main" id="{30A210E8-D953-17BC-B822-625EC1084344}"/>
+                </a:ext>
+              </a:extLst>
+            </p:cNvPr>
+            <p:cNvCxnSpPr>
+              <a:cxnSpLocks/>
+            </p:cNvCxnSpPr>
+            <p:nvPr/>
+          </p:nvCxnSpPr>
+          <p:spPr>
+            <a:xfrm>
+              <a:off x="1463888" y="3213237"/>
+              <a:ext cx="1326" cy="1183241"/>
+            </a:xfrm>
+            <a:prstGeom prst="line">
+              <a:avLst/>
+            </a:prstGeom>
+            <a:ln w="19050">
+              <a:solidFill>
+                <a:schemeClr val="tx2"/>
+              </a:solidFill>
+            </a:ln>
+          </p:spPr>
+          <p:style>
+            <a:lnRef idx="1">
+              <a:schemeClr val="accent1"/>
+            </a:lnRef>
+            <a:fillRef idx="0">
+              <a:schemeClr val="accent1"/>
+            </a:fillRef>
+            <a:effectRef idx="0">
+              <a:schemeClr val="accent1"/>
+            </a:effectRef>
+            <a:fontRef idx="minor">
+              <a:schemeClr val="tx1"/>
+            </a:fontRef>
+          </p:style>
+        </p:cxnSp>
+        <p:cxnSp>
+          <p:nvCxnSpPr>
+            <p:cNvPr id="109" name="Rovná spojnica 108">
+              <a:extLst>
+                <a:ext uri="{FF2B5EF4-FFF2-40B4-BE49-F238E27FC236}">
+                  <a16:creationId xmlns:a16="http://schemas.microsoft.com/office/drawing/2014/main" id="{F3FFC4CB-3CAD-648E-F0B7-D13FDAD15978}"/>
+                </a:ext>
+              </a:extLst>
+            </p:cNvPr>
+            <p:cNvCxnSpPr>
+              <a:cxnSpLocks/>
+            </p:cNvCxnSpPr>
+            <p:nvPr/>
+          </p:nvCxnSpPr>
+          <p:spPr>
+            <a:xfrm>
+              <a:off x="1152911" y="2916225"/>
+              <a:ext cx="12068" cy="2025721"/>
+            </a:xfrm>
+            <a:prstGeom prst="line">
+              <a:avLst/>
+            </a:prstGeom>
+            <a:ln w="19050">
+              <a:solidFill>
+                <a:schemeClr val="tx2"/>
+              </a:solidFill>
+            </a:ln>
+          </p:spPr>
+          <p:style>
+            <a:lnRef idx="1">
+              <a:schemeClr val="accent1"/>
+            </a:lnRef>
+            <a:fillRef idx="0">
+              <a:schemeClr val="accent1"/>
+            </a:fillRef>
+            <a:effectRef idx="0">
+              <a:schemeClr val="accent1"/>
+            </a:effectRef>
+            <a:fontRef idx="minor">
+              <a:schemeClr val="tx1"/>
+            </a:fontRef>
+          </p:style>
+        </p:cxnSp>
+        <p:cxnSp>
+          <p:nvCxnSpPr>
+            <p:cNvPr id="112" name="Rovná spojovacia šípka 111">
+              <a:extLst>
+                <a:ext uri="{FF2B5EF4-FFF2-40B4-BE49-F238E27FC236}">
+                  <a16:creationId xmlns:a16="http://schemas.microsoft.com/office/drawing/2014/main" id="{CFD99BD4-D9D1-860A-6A2E-B06ADD3CB51E}"/>
+                </a:ext>
+              </a:extLst>
+            </p:cNvPr>
+            <p:cNvCxnSpPr>
+              <a:cxnSpLocks/>
+            </p:cNvCxnSpPr>
+            <p:nvPr/>
+          </p:nvCxnSpPr>
+          <p:spPr>
+            <a:xfrm>
+              <a:off x="1466838" y="3215539"/>
+              <a:ext cx="505292" cy="0"/>
+            </a:xfrm>
+            <a:prstGeom prst="straightConnector1">
+              <a:avLst/>
+            </a:prstGeom>
+            <a:ln w="19050">
+              <a:solidFill>
+                <a:schemeClr val="tx2"/>
+              </a:solidFill>
+              <a:tailEnd type="triangle"/>
+            </a:ln>
+          </p:spPr>
+          <p:style>
+            <a:lnRef idx="1">
+              <a:schemeClr val="accent1"/>
+            </a:lnRef>
+            <a:fillRef idx="0">
+              <a:schemeClr val="accent1"/>
+            </a:fillRef>
+            <a:effectRef idx="0">
+              <a:schemeClr val="accent1"/>
+            </a:effectRef>
+            <a:fontRef idx="minor">
+              <a:schemeClr val="tx1"/>
+            </a:fontRef>
+          </p:style>
+        </p:cxnSp>
+        <p:cxnSp>
+          <p:nvCxnSpPr>
+            <p:cNvPr id="116" name="Rovná spojovacia šípka 115">
+              <a:extLst>
+                <a:ext uri="{FF2B5EF4-FFF2-40B4-BE49-F238E27FC236}">
+                  <a16:creationId xmlns:a16="http://schemas.microsoft.com/office/drawing/2014/main" id="{AAA83F41-3BA8-C2A9-78A6-64B39BB509F1}"/>
+                </a:ext>
+              </a:extLst>
+            </p:cNvPr>
+            <p:cNvCxnSpPr>
+              <a:cxnSpLocks/>
+            </p:cNvCxnSpPr>
+            <p:nvPr/>
+          </p:nvCxnSpPr>
+          <p:spPr>
+            <a:xfrm>
+              <a:off x="1152911" y="2923151"/>
+              <a:ext cx="819219" cy="0"/>
+            </a:xfrm>
+            <a:prstGeom prst="straightConnector1">
+              <a:avLst/>
+            </a:prstGeom>
+            <a:ln w="19050">
+              <a:solidFill>
+                <a:schemeClr val="tx2"/>
+              </a:solidFill>
+              <a:tailEnd type="triangle"/>
+            </a:ln>
+          </p:spPr>
+          <p:style>
+            <a:lnRef idx="1">
+              <a:schemeClr val="accent1"/>
+            </a:lnRef>
+            <a:fillRef idx="0">
+              <a:schemeClr val="accent1"/>
+            </a:fillRef>
+            <a:effectRef idx="0">
+              <a:schemeClr val="accent1"/>
+            </a:effectRef>
+            <a:fontRef idx="minor">
+              <a:schemeClr val="tx1"/>
+            </a:fontRef>
+          </p:style>
+        </p:cxnSp>
+        <p:cxnSp>
+          <p:nvCxnSpPr>
+            <p:cNvPr id="119" name="Rovná spojovacia šípka 118">
+              <a:extLst>
+                <a:ext uri="{FF2B5EF4-FFF2-40B4-BE49-F238E27FC236}">
+                  <a16:creationId xmlns:a16="http://schemas.microsoft.com/office/drawing/2014/main" id="{D95B93DA-6857-52AA-FB57-50A9790C22C2}"/>
+                </a:ext>
+              </a:extLst>
+            </p:cNvPr>
+            <p:cNvCxnSpPr>
+              <a:cxnSpLocks/>
+            </p:cNvCxnSpPr>
+            <p:nvPr/>
+          </p:nvCxnSpPr>
+          <p:spPr>
+            <a:xfrm>
+              <a:off x="360911" y="2634152"/>
+              <a:ext cx="1620000" cy="0"/>
+            </a:xfrm>
+            <a:prstGeom prst="straightConnector1">
+              <a:avLst/>
+            </a:prstGeom>
+            <a:ln w="19050">
+              <a:solidFill>
+                <a:schemeClr val="tx2"/>
+              </a:solidFill>
+              <a:tailEnd type="triangle"/>
+            </a:ln>
+          </p:spPr>
+          <p:style>
+            <a:lnRef idx="1">
+              <a:schemeClr val="accent1"/>
+            </a:lnRef>
+            <a:fillRef idx="0">
+              <a:schemeClr val="accent1"/>
+            </a:fillRef>
+            <a:effectRef idx="0">
+              <a:schemeClr val="accent1"/>
+            </a:effectRef>
+            <a:fontRef idx="minor">
+              <a:schemeClr val="tx1"/>
+            </a:fontRef>
+          </p:style>
+        </p:cxnSp>
+        <p:sp>
+          <p:nvSpPr>
+            <p:cNvPr id="122" name="BlokTextu 121">
+              <a:extLst>
+                <a:ext uri="{FF2B5EF4-FFF2-40B4-BE49-F238E27FC236}">
+                  <a16:creationId xmlns:a16="http://schemas.microsoft.com/office/drawing/2014/main" id="{C99430D1-B863-0EDF-61F1-9D027E509EC6}"/>
+                </a:ext>
+              </a:extLst>
+            </p:cNvPr>
+            <p:cNvSpPr txBox="1"/>
+            <p:nvPr/>
+          </p:nvSpPr>
+          <p:spPr>
+            <a:xfrm>
+              <a:off x="613754" y="2065499"/>
+              <a:ext cx="1043876" cy="523220"/>
+            </a:xfrm>
+            <a:prstGeom prst="rect">
+              <a:avLst/>
+            </a:prstGeom>
+            <a:noFill/>
+          </p:spPr>
+          <p:txBody>
+            <a:bodyPr wrap="none" rtlCol="0">
+              <a:spAutoFit/>
+            </a:bodyPr>
+            <a:lstStyle/>
+            <a:p>
+              <a:r>
+                <a:rPr lang="en-US" sz="2800" i="1" dirty="0">
+                  <a:latin typeface="Baskerville Old Face" panose="02020602080505020303" pitchFamily="18" charset="0"/>
+                  <a:cs typeface="Arabic Typesetting" panose="03020402040406030203" pitchFamily="66" charset="-78"/>
+                </a:rPr>
+                <a:t>y</a:t>
+              </a:r>
+              <a:r>
+                <a:rPr lang="en-US" sz="2800" baseline="-25000" dirty="0">
+                  <a:latin typeface="Baskerville Old Face" panose="02020602080505020303" pitchFamily="18" charset="0"/>
+                  <a:cs typeface="Arabic Typesetting" panose="03020402040406030203" pitchFamily="66" charset="-78"/>
+                </a:rPr>
+                <a:t>ref</a:t>
+              </a:r>
+              <a:r>
+                <a:rPr lang="sk-SK" sz="2800" i="1" baseline="-25000" dirty="0">
+                  <a:latin typeface="Baskerville Old Face" panose="02020602080505020303" pitchFamily="18" charset="0"/>
+                  <a:cs typeface="Arabic Typesetting" panose="03020402040406030203" pitchFamily="66" charset="-78"/>
+                </a:rPr>
+                <a:t> </a:t>
+              </a:r>
+              <a:r>
+                <a:rPr lang="sk-SK" sz="2800" dirty="0">
+                  <a:latin typeface="Baskerville Old Face" panose="02020602080505020303" pitchFamily="18" charset="0"/>
+                  <a:cs typeface="Arabic Typesetting" panose="03020402040406030203" pitchFamily="66" charset="-78"/>
+                </a:rPr>
+                <a:t>(</a:t>
+              </a:r>
+              <a:r>
+                <a:rPr lang="sk-SK" sz="2800" i="1" dirty="0">
+                  <a:latin typeface="Baskerville Old Face" panose="02020602080505020303" pitchFamily="18" charset="0"/>
+                  <a:cs typeface="Arabic Typesetting" panose="03020402040406030203" pitchFamily="66" charset="-78"/>
+                </a:rPr>
+                <a:t>k</a:t>
+              </a:r>
+              <a:r>
+                <a:rPr lang="sk-SK" sz="2800" dirty="0">
+                  <a:latin typeface="Baskerville Old Face" panose="02020602080505020303" pitchFamily="18" charset="0"/>
+                  <a:cs typeface="Arabic Typesetting" panose="03020402040406030203" pitchFamily="66" charset="-78"/>
+                </a:rPr>
+                <a:t>)</a:t>
+              </a:r>
+              <a:endParaRPr lang="en-US" dirty="0">
+                <a:latin typeface="Baskerville Old Face" panose="02020602080505020303" pitchFamily="18" charset="0"/>
+                <a:cs typeface="Arabic Typesetting" panose="03020402040406030203" pitchFamily="66" charset="-78"/>
+              </a:endParaRPr>
+            </a:p>
+          </p:txBody>
+        </p:sp>
+        <p:sp>
+          <p:nvSpPr>
+            <p:cNvPr id="123" name="BlokTextu 122">
+              <a:extLst>
+                <a:ext uri="{FF2B5EF4-FFF2-40B4-BE49-F238E27FC236}">
+                  <a16:creationId xmlns:a16="http://schemas.microsoft.com/office/drawing/2014/main" id="{D1914DA3-8BC4-1FCD-A666-026ACA66CF1A}"/>
+                </a:ext>
+              </a:extLst>
+            </p:cNvPr>
+            <p:cNvSpPr txBox="1"/>
+            <p:nvPr/>
+          </p:nvSpPr>
+          <p:spPr>
+            <a:xfrm>
+              <a:off x="10875160" y="2386453"/>
+              <a:ext cx="816249" cy="523220"/>
+            </a:xfrm>
+            <a:prstGeom prst="rect">
+              <a:avLst/>
+            </a:prstGeom>
+            <a:noFill/>
+          </p:spPr>
+          <p:txBody>
+            <a:bodyPr wrap="none" rtlCol="0">
+              <a:spAutoFit/>
+            </a:bodyPr>
+            <a:lstStyle/>
+            <a:p>
+              <a:r>
+                <a:rPr lang="en-US" sz="2800" i="1" dirty="0">
+                  <a:latin typeface="Baskerville Old Face" panose="02020602080505020303" pitchFamily="18" charset="0"/>
+                  <a:cs typeface="Arabic Typesetting" panose="03020402040406030203" pitchFamily="66" charset="-78"/>
+                </a:rPr>
+                <a:t>y</a:t>
+              </a:r>
+              <a:r>
+                <a:rPr kumimoji="0" lang="sk-SK" sz="2800" b="0" i="0" u="none" strike="noStrike" kern="1200" cap="none" spc="0" normalizeH="0" baseline="0" noProof="0" dirty="0">
+                  <a:ln>
+                    <a:noFill/>
+                  </a:ln>
+                  <a:solidFill>
+                    <a:prstClr val="black"/>
+                  </a:solidFill>
+                  <a:effectLst/>
+                  <a:uLnTx/>
+                  <a:uFillTx/>
+                  <a:latin typeface="Baskerville Old Face" panose="02020602080505020303" pitchFamily="18" charset="0"/>
+                  <a:ea typeface="+mn-ea"/>
+                  <a:cs typeface="Arabic Typesetting" panose="03020402040406030203" pitchFamily="66" charset="-78"/>
+                </a:rPr>
+                <a:t> (</a:t>
+              </a:r>
+              <a:r>
+                <a:rPr kumimoji="0" lang="sk-SK" sz="2800" b="0" i="1" u="none" strike="noStrike" kern="1200" cap="none" spc="0" normalizeH="0" baseline="0" noProof="0" dirty="0">
+                  <a:ln>
+                    <a:noFill/>
+                  </a:ln>
+                  <a:solidFill>
+                    <a:prstClr val="black"/>
+                  </a:solidFill>
+                  <a:effectLst/>
+                  <a:uLnTx/>
+                  <a:uFillTx/>
+                  <a:latin typeface="Baskerville Old Face" panose="02020602080505020303" pitchFamily="18" charset="0"/>
+                  <a:ea typeface="+mn-ea"/>
+                  <a:cs typeface="Arabic Typesetting" panose="03020402040406030203" pitchFamily="66" charset="-78"/>
+                </a:rPr>
+                <a:t>k</a:t>
+              </a:r>
+              <a:r>
+                <a:rPr kumimoji="0" lang="sk-SK" sz="2800" b="0" i="0" u="none" strike="noStrike" kern="1200" cap="none" spc="0" normalizeH="0" baseline="0" noProof="0" dirty="0">
+                  <a:ln>
+                    <a:noFill/>
+                  </a:ln>
+                  <a:solidFill>
+                    <a:prstClr val="black"/>
+                  </a:solidFill>
+                  <a:effectLst/>
+                  <a:uLnTx/>
+                  <a:uFillTx/>
+                  <a:latin typeface="Baskerville Old Face" panose="02020602080505020303" pitchFamily="18" charset="0"/>
+                  <a:ea typeface="+mn-ea"/>
+                  <a:cs typeface="Arabic Typesetting" panose="03020402040406030203" pitchFamily="66" charset="-78"/>
+                </a:rPr>
+                <a:t>)</a:t>
+              </a:r>
+              <a:endParaRPr lang="en-US" baseline="-25000" dirty="0">
+                <a:latin typeface="Baskerville Old Face" panose="02020602080505020303" pitchFamily="18" charset="0"/>
+                <a:cs typeface="Arabic Typesetting" panose="03020402040406030203" pitchFamily="66" charset="-78"/>
+              </a:endParaRPr>
+            </a:p>
+          </p:txBody>
+        </p:sp>
+        <p:sp>
+          <p:nvSpPr>
+            <p:cNvPr id="124" name="BlokTextu 123">
+              <a:extLst>
+                <a:ext uri="{FF2B5EF4-FFF2-40B4-BE49-F238E27FC236}">
+                  <a16:creationId xmlns:a16="http://schemas.microsoft.com/office/drawing/2014/main" id="{A7104031-284C-D084-2066-72E9DFB9C9A3}"/>
+                </a:ext>
+              </a:extLst>
+            </p:cNvPr>
+            <p:cNvSpPr txBox="1"/>
+            <p:nvPr/>
+          </p:nvSpPr>
+          <p:spPr>
+            <a:xfrm>
+              <a:off x="6573962" y="2360385"/>
+              <a:ext cx="849913" cy="523220"/>
+            </a:xfrm>
+            <a:prstGeom prst="rect">
+              <a:avLst/>
+            </a:prstGeom>
+            <a:noFill/>
+          </p:spPr>
+          <p:txBody>
+            <a:bodyPr wrap="none" rtlCol="0">
+              <a:spAutoFit/>
+            </a:bodyPr>
+            <a:lstStyle/>
+            <a:p>
+              <a:r>
+                <a:rPr lang="en-US" sz="2800" i="1" dirty="0">
+                  <a:latin typeface="Baskerville Old Face" panose="02020602080505020303" pitchFamily="18" charset="0"/>
+                  <a:cs typeface="Arabic Typesetting" panose="03020402040406030203" pitchFamily="66" charset="-78"/>
+                </a:rPr>
+                <a:t>u </a:t>
+              </a:r>
+              <a:r>
+                <a:rPr kumimoji="0" lang="sk-SK" sz="2800" b="0" i="0" u="none" strike="noStrike" kern="1200" cap="none" spc="0" normalizeH="0" baseline="0" noProof="0" dirty="0">
+                  <a:ln>
+                    <a:noFill/>
+                  </a:ln>
+                  <a:solidFill>
+                    <a:prstClr val="black"/>
+                  </a:solidFill>
+                  <a:effectLst/>
+                  <a:uLnTx/>
+                  <a:uFillTx/>
+                  <a:latin typeface="Baskerville Old Face" panose="02020602080505020303" pitchFamily="18" charset="0"/>
+                  <a:ea typeface="+mn-ea"/>
+                  <a:cs typeface="Arabic Typesetting" panose="03020402040406030203" pitchFamily="66" charset="-78"/>
+                </a:rPr>
+                <a:t>(</a:t>
+              </a:r>
+              <a:r>
+                <a:rPr kumimoji="0" lang="sk-SK" sz="2800" b="0" i="1" u="none" strike="noStrike" kern="1200" cap="none" spc="0" normalizeH="0" baseline="0" noProof="0" dirty="0">
+                  <a:ln>
+                    <a:noFill/>
+                  </a:ln>
+                  <a:solidFill>
+                    <a:prstClr val="black"/>
+                  </a:solidFill>
+                  <a:effectLst/>
+                  <a:uLnTx/>
+                  <a:uFillTx/>
+                  <a:latin typeface="Baskerville Old Face" panose="02020602080505020303" pitchFamily="18" charset="0"/>
+                  <a:ea typeface="+mn-ea"/>
+                  <a:cs typeface="Arabic Typesetting" panose="03020402040406030203" pitchFamily="66" charset="-78"/>
+                </a:rPr>
+                <a:t>k</a:t>
+              </a:r>
+              <a:r>
+                <a:rPr kumimoji="0" lang="sk-SK" sz="2800" b="0" i="0" u="none" strike="noStrike" kern="1200" cap="none" spc="0" normalizeH="0" baseline="0" noProof="0" dirty="0">
+                  <a:ln>
+                    <a:noFill/>
+                  </a:ln>
+                  <a:solidFill>
+                    <a:prstClr val="black"/>
+                  </a:solidFill>
+                  <a:effectLst/>
+                  <a:uLnTx/>
+                  <a:uFillTx/>
+                  <a:latin typeface="Baskerville Old Face" panose="02020602080505020303" pitchFamily="18" charset="0"/>
+                  <a:ea typeface="+mn-ea"/>
+                  <a:cs typeface="Arabic Typesetting" panose="03020402040406030203" pitchFamily="66" charset="-78"/>
+                </a:rPr>
+                <a:t>)</a:t>
+              </a:r>
+              <a:endParaRPr lang="en-US" baseline="-25000" dirty="0">
+                <a:latin typeface="Baskerville Old Face" panose="02020602080505020303" pitchFamily="18" charset="0"/>
+                <a:cs typeface="Arabic Typesetting" panose="03020402040406030203" pitchFamily="66" charset="-78"/>
+              </a:endParaRPr>
+            </a:p>
+          </p:txBody>
+        </p:sp>
+        <p:sp>
+          <p:nvSpPr>
+            <p:cNvPr id="125" name="BlokTextu 124">
+              <a:extLst>
+                <a:ext uri="{FF2B5EF4-FFF2-40B4-BE49-F238E27FC236}">
+                  <a16:creationId xmlns:a16="http://schemas.microsoft.com/office/drawing/2014/main" id="{37BCBEC2-4EF5-3EA5-C0E7-5EB5921A2FBA}"/>
+                </a:ext>
+              </a:extLst>
+            </p:cNvPr>
+            <p:cNvSpPr txBox="1"/>
+            <p:nvPr/>
+          </p:nvSpPr>
+          <p:spPr>
+            <a:xfrm>
+              <a:off x="4093808" y="1891067"/>
+              <a:ext cx="906017" cy="523220"/>
+            </a:xfrm>
+            <a:prstGeom prst="rect">
+              <a:avLst/>
+            </a:prstGeom>
+            <a:noFill/>
+          </p:spPr>
+          <p:txBody>
+            <a:bodyPr wrap="none" rtlCol="0">
+              <a:spAutoFit/>
+            </a:bodyPr>
+            <a:lstStyle/>
+            <a:p>
+              <a:r>
+                <a:rPr lang="en-US" sz="2800" i="1" dirty="0">
+                  <a:latin typeface="Baskerville Old Face" panose="02020602080505020303" pitchFamily="18" charset="0"/>
+                  <a:cs typeface="Arabic Typesetting" panose="03020402040406030203" pitchFamily="66" charset="-78"/>
+                </a:rPr>
+                <a:t>u</a:t>
+              </a:r>
+              <a:r>
+                <a:rPr lang="en-US" sz="2800" baseline="-25000" dirty="0">
+                  <a:latin typeface="Baskerville Old Face" panose="02020602080505020303" pitchFamily="18" charset="0"/>
+                  <a:cs typeface="Arabic Typesetting" panose="03020402040406030203" pitchFamily="66" charset="-78"/>
+                </a:rPr>
+                <a:t>L</a:t>
+              </a:r>
+              <a:r>
+                <a:rPr kumimoji="0" lang="sk-SK" sz="2800" b="0" i="0" u="none" strike="noStrike" kern="1200" cap="none" spc="0" normalizeH="0" baseline="0" noProof="0" dirty="0">
+                  <a:ln>
+                    <a:noFill/>
+                  </a:ln>
+                  <a:solidFill>
+                    <a:prstClr val="black"/>
+                  </a:solidFill>
+                  <a:effectLst/>
+                  <a:uLnTx/>
+                  <a:uFillTx/>
+                  <a:latin typeface="Baskerville Old Face" panose="02020602080505020303" pitchFamily="18" charset="0"/>
+                  <a:ea typeface="+mn-ea"/>
+                  <a:cs typeface="Arabic Typesetting" panose="03020402040406030203" pitchFamily="66" charset="-78"/>
+                </a:rPr>
+                <a:t>(</a:t>
+              </a:r>
+              <a:r>
+                <a:rPr kumimoji="0" lang="sk-SK" sz="2800" b="0" i="1" u="none" strike="noStrike" kern="1200" cap="none" spc="0" normalizeH="0" baseline="0" noProof="0" dirty="0">
+                  <a:ln>
+                    <a:noFill/>
+                  </a:ln>
+                  <a:solidFill>
+                    <a:prstClr val="black"/>
+                  </a:solidFill>
+                  <a:effectLst/>
+                  <a:uLnTx/>
+                  <a:uFillTx/>
+                  <a:latin typeface="Baskerville Old Face" panose="02020602080505020303" pitchFamily="18" charset="0"/>
+                  <a:ea typeface="+mn-ea"/>
+                  <a:cs typeface="Arabic Typesetting" panose="03020402040406030203" pitchFamily="66" charset="-78"/>
+                </a:rPr>
+                <a:t>k</a:t>
+              </a:r>
+              <a:r>
+                <a:rPr kumimoji="0" lang="sk-SK" sz="2800" b="0" i="0" u="none" strike="noStrike" kern="1200" cap="none" spc="0" normalizeH="0" baseline="0" noProof="0" dirty="0">
+                  <a:ln>
+                    <a:noFill/>
+                  </a:ln>
+                  <a:solidFill>
+                    <a:prstClr val="black"/>
+                  </a:solidFill>
+                  <a:effectLst/>
+                  <a:uLnTx/>
+                  <a:uFillTx/>
+                  <a:latin typeface="Baskerville Old Face" panose="02020602080505020303" pitchFamily="18" charset="0"/>
+                  <a:ea typeface="+mn-ea"/>
+                  <a:cs typeface="Arabic Typesetting" panose="03020402040406030203" pitchFamily="66" charset="-78"/>
+                </a:rPr>
+                <a:t>)</a:t>
+              </a:r>
+              <a:endParaRPr lang="en-US" baseline="-25000" dirty="0">
+                <a:latin typeface="Baskerville Old Face" panose="02020602080505020303" pitchFamily="18" charset="0"/>
+                <a:cs typeface="Arabic Typesetting" panose="03020402040406030203" pitchFamily="66" charset="-78"/>
+              </a:endParaRPr>
+            </a:p>
+          </p:txBody>
+        </p:sp>
+        <p:sp>
+          <p:nvSpPr>
+            <p:cNvPr id="126" name="BlokTextu 125">
+              <a:extLst>
+                <a:ext uri="{FF2B5EF4-FFF2-40B4-BE49-F238E27FC236}">
+                  <a16:creationId xmlns:a16="http://schemas.microsoft.com/office/drawing/2014/main" id="{5888BA29-B6AC-F3A6-83B2-71F325E321C0}"/>
+                </a:ext>
+              </a:extLst>
+            </p:cNvPr>
+            <p:cNvSpPr txBox="1"/>
+            <p:nvPr/>
+          </p:nvSpPr>
+          <p:spPr>
+            <a:xfrm>
+              <a:off x="4115727" y="2839388"/>
+              <a:ext cx="916136" cy="483754"/>
+            </a:xfrm>
+            <a:prstGeom prst="rect">
+              <a:avLst/>
+            </a:prstGeom>
+            <a:noFill/>
+          </p:spPr>
+          <p:txBody>
+            <a:bodyPr wrap="none" rtlCol="0">
+              <a:spAutoFit/>
+            </a:bodyPr>
+            <a:lstStyle/>
+            <a:p>
+              <a:r>
+                <a:rPr lang="en-US" sz="2800" i="1" dirty="0">
+                  <a:latin typeface="Baskerville Old Face" panose="02020602080505020303" pitchFamily="18" charset="0"/>
+                  <a:cs typeface="Arabic Typesetting" panose="03020402040406030203" pitchFamily="66" charset="-78"/>
+                </a:rPr>
+                <a:t>u</a:t>
+              </a:r>
+              <a:r>
+                <a:rPr lang="sk-SK" sz="2800" baseline="-25000" dirty="0">
+                  <a:latin typeface="Baskerville Old Face" panose="02020602080505020303" pitchFamily="18" charset="0"/>
+                  <a:cs typeface="Arabic Typesetting" panose="03020402040406030203" pitchFamily="66" charset="-78"/>
+                </a:rPr>
+                <a:t>U</a:t>
+              </a:r>
+              <a:r>
+                <a:rPr kumimoji="0" lang="sk-SK" sz="2800" b="0" i="0" u="none" strike="noStrike" kern="1200" cap="none" spc="0" normalizeH="0" baseline="0" noProof="0" dirty="0">
+                  <a:ln>
+                    <a:noFill/>
+                  </a:ln>
+                  <a:solidFill>
+                    <a:prstClr val="black"/>
+                  </a:solidFill>
+                  <a:effectLst/>
+                  <a:uLnTx/>
+                  <a:uFillTx/>
+                  <a:latin typeface="Baskerville Old Face" panose="02020602080505020303" pitchFamily="18" charset="0"/>
+                  <a:ea typeface="+mn-ea"/>
+                  <a:cs typeface="Arabic Typesetting" panose="03020402040406030203" pitchFamily="66" charset="-78"/>
+                </a:rPr>
+                <a:t>(</a:t>
+              </a:r>
+              <a:r>
+                <a:rPr kumimoji="0" lang="sk-SK" sz="2800" b="0" i="1" u="none" strike="noStrike" kern="1200" cap="none" spc="0" normalizeH="0" baseline="0" noProof="0" dirty="0">
+                  <a:ln>
+                    <a:noFill/>
+                  </a:ln>
+                  <a:solidFill>
+                    <a:prstClr val="black"/>
+                  </a:solidFill>
+                  <a:effectLst/>
+                  <a:uLnTx/>
+                  <a:uFillTx/>
+                  <a:latin typeface="Baskerville Old Face" panose="02020602080505020303" pitchFamily="18" charset="0"/>
+                  <a:ea typeface="+mn-ea"/>
+                  <a:cs typeface="Arabic Typesetting" panose="03020402040406030203" pitchFamily="66" charset="-78"/>
+                </a:rPr>
+                <a:t>k</a:t>
+              </a:r>
+              <a:r>
+                <a:rPr kumimoji="0" lang="sk-SK" sz="2800" b="0" i="0" u="none" strike="noStrike" kern="1200" cap="none" spc="0" normalizeH="0" baseline="0" noProof="0" dirty="0">
+                  <a:ln>
+                    <a:noFill/>
+                  </a:ln>
+                  <a:solidFill>
+                    <a:prstClr val="black"/>
+                  </a:solidFill>
+                  <a:effectLst/>
+                  <a:uLnTx/>
+                  <a:uFillTx/>
+                  <a:latin typeface="Baskerville Old Face" panose="02020602080505020303" pitchFamily="18" charset="0"/>
+                  <a:ea typeface="+mn-ea"/>
+                  <a:cs typeface="Arabic Typesetting" panose="03020402040406030203" pitchFamily="66" charset="-78"/>
+                </a:rPr>
+                <a:t>)</a:t>
+              </a:r>
+              <a:endParaRPr lang="en-US" baseline="-25000" dirty="0">
+                <a:latin typeface="Baskerville Old Face" panose="02020602080505020303" pitchFamily="18" charset="0"/>
+                <a:cs typeface="Arabic Typesetting" panose="03020402040406030203" pitchFamily="66" charset="-78"/>
+              </a:endParaRPr>
+            </a:p>
+          </p:txBody>
+        </p:sp>
+        <p:sp>
+          <p:nvSpPr>
+            <p:cNvPr id="127" name="BlokTextu 126">
+              <a:extLst>
+                <a:ext uri="{FF2B5EF4-FFF2-40B4-BE49-F238E27FC236}">
+                  <a16:creationId xmlns:a16="http://schemas.microsoft.com/office/drawing/2014/main" id="{5DB81921-D8B5-FD99-9270-CBE24F192419}"/>
+                </a:ext>
+              </a:extLst>
+            </p:cNvPr>
+            <p:cNvSpPr txBox="1"/>
+            <p:nvPr/>
+          </p:nvSpPr>
+          <p:spPr>
+            <a:xfrm>
+              <a:off x="1982043" y="2369296"/>
+              <a:ext cx="684803" cy="461665"/>
+            </a:xfrm>
+            <a:prstGeom prst="rect">
+              <a:avLst/>
+            </a:prstGeom>
+            <a:noFill/>
+          </p:spPr>
+          <p:txBody>
+            <a:bodyPr wrap="none" rtlCol="0">
+              <a:spAutoFit/>
+            </a:bodyPr>
+            <a:lstStyle/>
+            <a:p>
+              <a:r>
+                <a:rPr lang="en-US" sz="3600" i="1" baseline="-25000" dirty="0">
+                  <a:latin typeface="Baskerville Old Face" panose="02020602080505020303" pitchFamily="18" charset="0"/>
+                  <a:ea typeface="Calibri" panose="020F0502020204030204" pitchFamily="34" charset="0"/>
+                  <a:cs typeface="Arabic Typesetting" panose="03020402040406030203" pitchFamily="66" charset="-78"/>
+                </a:rPr>
+                <a:t>θ</a:t>
+              </a:r>
+              <a:r>
+                <a:rPr lang="en-US" sz="3600" baseline="-25000" dirty="0">
+                  <a:latin typeface="Baskerville Old Face" panose="02020602080505020303" pitchFamily="18" charset="0"/>
+                  <a:ea typeface="Calibri" panose="020F0502020204030204" pitchFamily="34" charset="0"/>
+                  <a:cs typeface="Arabic Typesetting" panose="03020402040406030203" pitchFamily="66" charset="-78"/>
+                </a:rPr>
+                <a:t>(</a:t>
+              </a:r>
+              <a:r>
+                <a:rPr lang="en-US" sz="3600" i="1" baseline="-25000" dirty="0">
+                  <a:latin typeface="Baskerville Old Face" panose="02020602080505020303" pitchFamily="18" charset="0"/>
+                  <a:ea typeface="Calibri" panose="020F0502020204030204" pitchFamily="34" charset="0"/>
+                  <a:cs typeface="Arabic Typesetting" panose="03020402040406030203" pitchFamily="66" charset="-78"/>
+                </a:rPr>
+                <a:t>k</a:t>
+              </a:r>
+              <a:r>
+                <a:rPr lang="en-US" sz="3600" baseline="-25000" dirty="0">
+                  <a:latin typeface="Baskerville Old Face" panose="02020602080505020303" pitchFamily="18" charset="0"/>
+                  <a:ea typeface="Calibri" panose="020F0502020204030204" pitchFamily="34" charset="0"/>
+                  <a:cs typeface="Arabic Typesetting" panose="03020402040406030203" pitchFamily="66" charset="-78"/>
+                </a:rPr>
+                <a:t>)</a:t>
+              </a:r>
+              <a:endParaRPr lang="en-US" baseline="-25000" dirty="0">
+                <a:latin typeface="Baskerville Old Face" panose="02020602080505020303" pitchFamily="18" charset="0"/>
+                <a:cs typeface="Arabic Typesetting" panose="03020402040406030203" pitchFamily="66" charset="-78"/>
+              </a:endParaRPr>
+            </a:p>
+          </p:txBody>
+        </p:sp>
+        <p:sp>
+          <p:nvSpPr>
+            <p:cNvPr id="128" name="BlokTextu 127">
+              <a:extLst>
+                <a:ext uri="{FF2B5EF4-FFF2-40B4-BE49-F238E27FC236}">
+                  <a16:creationId xmlns:a16="http://schemas.microsoft.com/office/drawing/2014/main" id="{49306769-8B5C-8C15-FB29-FF62F11C710E}"/>
+                </a:ext>
+              </a:extLst>
+            </p:cNvPr>
+            <p:cNvSpPr txBox="1"/>
+            <p:nvPr/>
+          </p:nvSpPr>
+          <p:spPr>
+            <a:xfrm>
+              <a:off x="5033945" y="3836013"/>
+              <a:ext cx="822661" cy="523220"/>
+            </a:xfrm>
+            <a:prstGeom prst="rect">
+              <a:avLst/>
+            </a:prstGeom>
+            <a:noFill/>
+          </p:spPr>
+          <p:txBody>
+            <a:bodyPr wrap="none" rtlCol="0">
+              <a:spAutoFit/>
+            </a:bodyPr>
+            <a:lstStyle/>
+            <a:p>
+              <a:r>
+                <a:rPr lang="en-US" sz="2800" i="1" dirty="0">
+                  <a:latin typeface="Baskerville Old Face" panose="02020602080505020303" pitchFamily="18" charset="0"/>
+                  <a:cs typeface="Arabic Typesetting" panose="03020402040406030203" pitchFamily="66" charset="-78"/>
+                </a:rPr>
+                <a:t>x</a:t>
+              </a:r>
+              <a:r>
+                <a:rPr lang="en-US" sz="2800" baseline="-25000" dirty="0">
+                  <a:latin typeface="Baskerville Old Face" panose="02020602080505020303" pitchFamily="18" charset="0"/>
+                  <a:cs typeface="Arabic Typesetting" panose="03020402040406030203" pitchFamily="66" charset="-78"/>
+                </a:rPr>
+                <a:t>I</a:t>
+              </a:r>
+              <a:r>
+                <a:rPr kumimoji="0" lang="sk-SK" sz="2800" b="0" i="0" u="none" strike="noStrike" kern="1200" cap="none" spc="0" normalizeH="0" baseline="0" noProof="0" dirty="0">
+                  <a:ln>
+                    <a:noFill/>
+                  </a:ln>
+                  <a:solidFill>
+                    <a:prstClr val="black"/>
+                  </a:solidFill>
+                  <a:effectLst/>
+                  <a:uLnTx/>
+                  <a:uFillTx/>
+                  <a:latin typeface="Baskerville Old Face" panose="02020602080505020303" pitchFamily="18" charset="0"/>
+                  <a:ea typeface="+mn-ea"/>
+                  <a:cs typeface="Arabic Typesetting" panose="03020402040406030203" pitchFamily="66" charset="-78"/>
+                </a:rPr>
+                <a:t>(</a:t>
+              </a:r>
+              <a:r>
+                <a:rPr kumimoji="0" lang="sk-SK" sz="2800" b="0" i="1" u="none" strike="noStrike" kern="1200" cap="none" spc="0" normalizeH="0" baseline="0" noProof="0" dirty="0">
+                  <a:ln>
+                    <a:noFill/>
+                  </a:ln>
+                  <a:solidFill>
+                    <a:prstClr val="black"/>
+                  </a:solidFill>
+                  <a:effectLst/>
+                  <a:uLnTx/>
+                  <a:uFillTx/>
+                  <a:latin typeface="Baskerville Old Face" panose="02020602080505020303" pitchFamily="18" charset="0"/>
+                  <a:ea typeface="+mn-ea"/>
+                  <a:cs typeface="Arabic Typesetting" panose="03020402040406030203" pitchFamily="66" charset="-78"/>
+                </a:rPr>
+                <a:t>k</a:t>
+              </a:r>
+              <a:r>
+                <a:rPr kumimoji="0" lang="sk-SK" sz="2800" b="0" i="0" u="none" strike="noStrike" kern="1200" cap="none" spc="0" normalizeH="0" baseline="0" noProof="0" dirty="0">
+                  <a:ln>
+                    <a:noFill/>
+                  </a:ln>
+                  <a:solidFill>
+                    <a:prstClr val="black"/>
+                  </a:solidFill>
+                  <a:effectLst/>
+                  <a:uLnTx/>
+                  <a:uFillTx/>
+                  <a:latin typeface="Baskerville Old Face" panose="02020602080505020303" pitchFamily="18" charset="0"/>
+                  <a:ea typeface="+mn-ea"/>
+                  <a:cs typeface="Arabic Typesetting" panose="03020402040406030203" pitchFamily="66" charset="-78"/>
+                </a:rPr>
+                <a:t>)</a:t>
+              </a:r>
+              <a:endParaRPr lang="en-US" baseline="-25000" dirty="0">
+                <a:latin typeface="Baskerville Old Face" panose="02020602080505020303" pitchFamily="18" charset="0"/>
+                <a:cs typeface="Arabic Typesetting" panose="03020402040406030203" pitchFamily="66" charset="-78"/>
+              </a:endParaRPr>
+            </a:p>
+          </p:txBody>
+        </p:sp>
+        <p:sp>
+          <p:nvSpPr>
+            <p:cNvPr id="129" name="BlokTextu 128">
+              <a:extLst>
+                <a:ext uri="{FF2B5EF4-FFF2-40B4-BE49-F238E27FC236}">
+                  <a16:creationId xmlns:a16="http://schemas.microsoft.com/office/drawing/2014/main" id="{EBA5BB3D-ABFA-1CF0-3E19-C47F79FC9BC5}"/>
+                </a:ext>
+              </a:extLst>
+            </p:cNvPr>
+            <p:cNvSpPr txBox="1"/>
+            <p:nvPr/>
+          </p:nvSpPr>
+          <p:spPr>
+            <a:xfrm>
+              <a:off x="10712373" y="2794663"/>
+              <a:ext cx="1592093" cy="584775"/>
+            </a:xfrm>
+            <a:prstGeom prst="rect">
+              <a:avLst/>
+            </a:prstGeom>
+            <a:noFill/>
+          </p:spPr>
+          <p:txBody>
+            <a:bodyPr wrap="square" rtlCol="0">
+              <a:spAutoFit/>
+            </a:bodyPr>
+            <a:lstStyle/>
+            <a:p>
+              <a:r>
+                <a:rPr lang="en-US" sz="3200" dirty="0">
+                  <a:solidFill>
+                    <a:srgbClr val="0070C0"/>
+                  </a:solidFill>
+                  <a:latin typeface="Angsana New" panose="020B0502040204020203" pitchFamily="18" charset="-34"/>
+                  <a:cs typeface="Angsana New" panose="020B0502040204020203" pitchFamily="18" charset="-34"/>
+                </a:rPr>
+                <a:t>Temperature</a:t>
+              </a:r>
+              <a:endParaRPr lang="en-US" dirty="0">
+                <a:solidFill>
+                  <a:srgbClr val="0070C0"/>
+                </a:solidFill>
+                <a:latin typeface="Angsana New" panose="020B0502040204020203" pitchFamily="18" charset="-34"/>
+                <a:cs typeface="Angsana New" panose="020B0502040204020203" pitchFamily="18" charset="-34"/>
+              </a:endParaRPr>
+            </a:p>
+          </p:txBody>
+        </p:sp>
+        <p:sp>
+          <p:nvSpPr>
+            <p:cNvPr id="130" name="BlokTextu 129">
+              <a:extLst>
+                <a:ext uri="{FF2B5EF4-FFF2-40B4-BE49-F238E27FC236}">
+                  <a16:creationId xmlns:a16="http://schemas.microsoft.com/office/drawing/2014/main" id="{4AE64A69-56C8-137F-B871-C293DAD852B3}"/>
+                </a:ext>
+              </a:extLst>
+            </p:cNvPr>
+            <p:cNvSpPr txBox="1"/>
+            <p:nvPr/>
+          </p:nvSpPr>
+          <p:spPr>
+            <a:xfrm>
+              <a:off x="6429927" y="2781499"/>
+              <a:ext cx="1043876" cy="584775"/>
+            </a:xfrm>
+            <a:prstGeom prst="rect">
+              <a:avLst/>
+            </a:prstGeom>
+            <a:noFill/>
+          </p:spPr>
+          <p:txBody>
+            <a:bodyPr wrap="none" rtlCol="0">
+              <a:spAutoFit/>
+            </a:bodyPr>
+            <a:lstStyle/>
+            <a:p>
+              <a:r>
+                <a:rPr lang="en-US" sz="3200" dirty="0">
+                  <a:solidFill>
+                    <a:srgbClr val="0070C0"/>
+                  </a:solidFill>
+                  <a:latin typeface="Angsana New" panose="020B0502040204020203" pitchFamily="18" charset="-34"/>
+                  <a:cs typeface="Angsana New" panose="020B0502040204020203" pitchFamily="18" charset="-34"/>
+                </a:rPr>
+                <a:t>Voltage</a:t>
+              </a:r>
+              <a:endParaRPr lang="en-US" dirty="0">
+                <a:solidFill>
+                  <a:srgbClr val="0070C0"/>
+                </a:solidFill>
+                <a:latin typeface="Angsana New" panose="020B0502040204020203" pitchFamily="18" charset="-34"/>
+                <a:cs typeface="Angsana New" panose="020B0502040204020203" pitchFamily="18" charset="-34"/>
+              </a:endParaRPr>
+            </a:p>
+          </p:txBody>
+        </p:sp>
+        <p:sp>
+          <p:nvSpPr>
+            <p:cNvPr id="131" name="BlokTextu 130">
+              <a:extLst>
+                <a:ext uri="{FF2B5EF4-FFF2-40B4-BE49-F238E27FC236}">
+                  <a16:creationId xmlns:a16="http://schemas.microsoft.com/office/drawing/2014/main" id="{A4B2F5EB-F7B0-38F3-AB1A-2DD4648F03AF}"/>
+                </a:ext>
+              </a:extLst>
+            </p:cNvPr>
+            <p:cNvSpPr txBox="1"/>
+            <p:nvPr/>
+          </p:nvSpPr>
+          <p:spPr>
+            <a:xfrm>
+              <a:off x="361387" y="2481873"/>
+              <a:ext cx="1568058" cy="584775"/>
+            </a:xfrm>
+            <a:prstGeom prst="rect">
+              <a:avLst/>
+            </a:prstGeom>
+            <a:noFill/>
+          </p:spPr>
+          <p:txBody>
+            <a:bodyPr wrap="none" rtlCol="0">
+              <a:spAutoFit/>
+            </a:bodyPr>
+            <a:lstStyle/>
+            <a:p>
+              <a:r>
+                <a:rPr lang="en-US" sz="3200" dirty="0">
+                  <a:solidFill>
+                    <a:srgbClr val="0070C0"/>
+                  </a:solidFill>
+                  <a:latin typeface="Angsana New" panose="020B0502040204020203" pitchFamily="18" charset="-34"/>
+                  <a:cs typeface="Angsana New" panose="020B0502040204020203" pitchFamily="18" charset="-34"/>
+                </a:rPr>
+                <a:t>Temperature</a:t>
+              </a:r>
+              <a:endParaRPr lang="en-US" dirty="0">
+                <a:solidFill>
+                  <a:srgbClr val="0070C0"/>
+                </a:solidFill>
+                <a:latin typeface="Angsana New" panose="020B0502040204020203" pitchFamily="18" charset="-34"/>
+                <a:cs typeface="Angsana New" panose="020B0502040204020203" pitchFamily="18" charset="-34"/>
+              </a:endParaRPr>
+            </a:p>
+          </p:txBody>
+        </p:sp>
+        <p:cxnSp>
+          <p:nvCxnSpPr>
+            <p:cNvPr id="3" name="Rovná spojnica 2">
+              <a:extLst>
+                <a:ext uri="{FF2B5EF4-FFF2-40B4-BE49-F238E27FC236}">
+                  <a16:creationId xmlns:a16="http://schemas.microsoft.com/office/drawing/2014/main" id="{9BCCEA86-AF4A-F932-0CB0-BD5F61B07E43}"/>
+                </a:ext>
+              </a:extLst>
+            </p:cNvPr>
+            <p:cNvCxnSpPr>
+              <a:cxnSpLocks/>
+            </p:cNvCxnSpPr>
+            <p:nvPr/>
+          </p:nvCxnSpPr>
+          <p:spPr>
+            <a:xfrm flipH="1">
+              <a:off x="1830642" y="1832195"/>
+              <a:ext cx="3672208" cy="4970"/>
+            </a:xfrm>
+            <a:prstGeom prst="line">
+              <a:avLst/>
+            </a:prstGeom>
+            <a:ln w="19050">
+              <a:solidFill>
+                <a:schemeClr val="tx2"/>
+              </a:solidFill>
+            </a:ln>
+          </p:spPr>
+          <p:style>
+            <a:lnRef idx="1">
+              <a:schemeClr val="accent1"/>
+            </a:lnRef>
+            <a:fillRef idx="0">
+              <a:schemeClr val="accent1"/>
+            </a:fillRef>
+            <a:effectRef idx="0">
+              <a:schemeClr val="accent1"/>
+            </a:effectRef>
+            <a:fontRef idx="minor">
+              <a:schemeClr val="tx1"/>
+            </a:fontRef>
+          </p:style>
+        </p:cxnSp>
+        <p:cxnSp>
+          <p:nvCxnSpPr>
+            <p:cNvPr id="4" name="Rovná spojovacia šípka 3">
+              <a:extLst>
+                <a:ext uri="{FF2B5EF4-FFF2-40B4-BE49-F238E27FC236}">
+                  <a16:creationId xmlns:a16="http://schemas.microsoft.com/office/drawing/2014/main" id="{600DF95E-B28E-387C-E5BB-3FC6892AFEF7}"/>
+                </a:ext>
+              </a:extLst>
+            </p:cNvPr>
+            <p:cNvCxnSpPr>
+              <a:cxnSpLocks/>
+            </p:cNvCxnSpPr>
+            <p:nvPr/>
+          </p:nvCxnSpPr>
+          <p:spPr>
+            <a:xfrm>
+              <a:off x="5502850" y="1832195"/>
+              <a:ext cx="2539" cy="424399"/>
+            </a:xfrm>
+            <a:prstGeom prst="straightConnector1">
+              <a:avLst/>
+            </a:prstGeom>
+            <a:ln w="19050">
+              <a:solidFill>
+                <a:schemeClr val="tx2"/>
+              </a:solidFill>
+              <a:tailEnd type="triangle"/>
+            </a:ln>
+          </p:spPr>
+          <p:style>
+            <a:lnRef idx="1">
+              <a:schemeClr val="accent1"/>
+            </a:lnRef>
+            <a:fillRef idx="0">
+              <a:schemeClr val="accent1"/>
+            </a:fillRef>
+            <a:effectRef idx="0">
+              <a:schemeClr val="accent1"/>
+            </a:effectRef>
+            <a:fontRef idx="minor">
+              <a:schemeClr val="tx1"/>
+            </a:fontRef>
+          </p:style>
+        </p:cxnSp>
+        <p:cxnSp>
+          <p:nvCxnSpPr>
+            <p:cNvPr id="6" name="Rovná spojnica 5">
+              <a:extLst>
+                <a:ext uri="{FF2B5EF4-FFF2-40B4-BE49-F238E27FC236}">
+                  <a16:creationId xmlns:a16="http://schemas.microsoft.com/office/drawing/2014/main" id="{E3BAFDF1-794F-0BD0-F81F-4A88CAA9CD05}"/>
+                </a:ext>
+              </a:extLst>
+            </p:cNvPr>
+            <p:cNvCxnSpPr>
+              <a:cxnSpLocks/>
+            </p:cNvCxnSpPr>
+            <p:nvPr/>
+          </p:nvCxnSpPr>
+          <p:spPr>
+            <a:xfrm>
+              <a:off x="1830642" y="1836330"/>
+              <a:ext cx="0" cy="794434"/>
+            </a:xfrm>
+            <a:prstGeom prst="line">
+              <a:avLst/>
+            </a:prstGeom>
+            <a:ln w="19050">
+              <a:solidFill>
+                <a:schemeClr val="tx2"/>
+              </a:solidFill>
+            </a:ln>
+          </p:spPr>
+          <p:style>
+            <a:lnRef idx="1">
+              <a:schemeClr val="accent1"/>
+            </a:lnRef>
+            <a:fillRef idx="0">
+              <a:schemeClr val="accent1"/>
+            </a:fillRef>
+            <a:effectRef idx="0">
+              <a:schemeClr val="accent1"/>
+            </a:effectRef>
+            <a:fontRef idx="minor">
+              <a:schemeClr val="tx1"/>
+            </a:fontRef>
+          </p:style>
+        </p:cxnSp>
+        <p:cxnSp>
+          <p:nvCxnSpPr>
+            <p:cNvPr id="2" name="Rovná spojovacia šípka 1">
+              <a:extLst>
+                <a:ext uri="{FF2B5EF4-FFF2-40B4-BE49-F238E27FC236}">
+                  <a16:creationId xmlns:a16="http://schemas.microsoft.com/office/drawing/2014/main" id="{FAC240F6-55B5-77B2-8703-9336D0655757}"/>
+                </a:ext>
+              </a:extLst>
+            </p:cNvPr>
+            <p:cNvCxnSpPr>
+              <a:cxnSpLocks/>
+            </p:cNvCxnSpPr>
+            <p:nvPr/>
+          </p:nvCxnSpPr>
+          <p:spPr>
+            <a:xfrm>
+              <a:off x="6014816" y="1652411"/>
+              <a:ext cx="0" cy="604184"/>
+            </a:xfrm>
+            <a:prstGeom prst="straightConnector1">
+              <a:avLst/>
+            </a:prstGeom>
+            <a:ln w="19050">
+              <a:solidFill>
+                <a:schemeClr val="tx2"/>
+              </a:solidFill>
+              <a:tailEnd type="triangle"/>
+            </a:ln>
+          </p:spPr>
+          <p:style>
+            <a:lnRef idx="1">
+              <a:schemeClr val="accent1"/>
+            </a:lnRef>
+            <a:fillRef idx="0">
+              <a:schemeClr val="accent1"/>
+            </a:fillRef>
+            <a:effectRef idx="0">
+              <a:schemeClr val="accent1"/>
+            </a:effectRef>
+            <a:fontRef idx="minor">
+              <a:schemeClr val="tx1"/>
+            </a:fontRef>
+          </p:style>
+        </p:cxnSp>
+        <p:sp>
+          <p:nvSpPr>
+            <p:cNvPr id="7" name="BlokTextu 6">
+              <a:extLst>
+                <a:ext uri="{FF2B5EF4-FFF2-40B4-BE49-F238E27FC236}">
+                  <a16:creationId xmlns:a16="http://schemas.microsoft.com/office/drawing/2014/main" id="{DF0C6037-E4B0-52D7-7673-49F79DD6A42E}"/>
+                </a:ext>
+              </a:extLst>
+            </p:cNvPr>
+            <p:cNvSpPr txBox="1"/>
+            <p:nvPr/>
+          </p:nvSpPr>
+          <p:spPr>
+            <a:xfrm>
+              <a:off x="5502850" y="1062243"/>
+              <a:ext cx="1309974" cy="523220"/>
+            </a:xfrm>
+            <a:prstGeom prst="rect">
+              <a:avLst/>
+            </a:prstGeom>
+            <a:noFill/>
+          </p:spPr>
+          <p:txBody>
+            <a:bodyPr wrap="none" rtlCol="0">
+              <a:spAutoFit/>
+            </a:bodyPr>
+            <a:lstStyle/>
+            <a:p>
+              <a:r>
+                <a:rPr lang="en-US" sz="2800" i="1" dirty="0">
+                  <a:latin typeface="Baskerville Old Face" panose="02020602080505020303" pitchFamily="18" charset="0"/>
+                  <a:cs typeface="Arabic Typesetting" panose="03020402040406030203" pitchFamily="66" charset="-78"/>
+                </a:rPr>
+                <a:t>y</a:t>
+              </a:r>
+              <a:r>
+                <a:rPr lang="en-US" sz="2800" baseline="-25000" dirty="0">
+                  <a:latin typeface="Baskerville Old Face" panose="02020602080505020303" pitchFamily="18" charset="0"/>
+                  <a:cs typeface="Arabic Typesetting" panose="03020402040406030203" pitchFamily="66" charset="-78"/>
+                </a:rPr>
+                <a:t>ref</a:t>
+              </a:r>
+              <a:r>
+                <a:rPr lang="sk-SK" sz="2800" i="1" baseline="-25000" dirty="0">
+                  <a:latin typeface="Baskerville Old Face" panose="02020602080505020303" pitchFamily="18" charset="0"/>
+                  <a:cs typeface="Arabic Typesetting" panose="03020402040406030203" pitchFamily="66" charset="-78"/>
+                </a:rPr>
+                <a:t> </a:t>
+              </a:r>
+              <a:r>
+                <a:rPr lang="sk-SK" sz="2800" dirty="0">
+                  <a:latin typeface="Baskerville Old Face" panose="02020602080505020303" pitchFamily="18" charset="0"/>
+                  <a:cs typeface="Arabic Typesetting" panose="03020402040406030203" pitchFamily="66" charset="-78"/>
+                </a:rPr>
+                <a:t>(</a:t>
+              </a:r>
+              <a:r>
+                <a:rPr lang="sk-SK" sz="2800" i="1" dirty="0">
+                  <a:latin typeface="Baskerville Old Face" panose="02020602080505020303" pitchFamily="18" charset="0"/>
+                  <a:cs typeface="Arabic Typesetting" panose="03020402040406030203" pitchFamily="66" charset="-78"/>
+                </a:rPr>
+                <a:t>k</a:t>
+              </a:r>
+              <a:r>
+                <a:rPr lang="sk-SK" sz="2800" dirty="0">
+                  <a:latin typeface="Baskerville Old Face" panose="02020602080505020303" pitchFamily="18" charset="0"/>
+                  <a:cs typeface="Arabic Typesetting" panose="03020402040406030203" pitchFamily="66" charset="-78"/>
+                </a:rPr>
+                <a:t>-1)</a:t>
+              </a:r>
+              <a:endParaRPr lang="en-US" dirty="0">
+                <a:latin typeface="Baskerville Old Face" panose="02020602080505020303" pitchFamily="18" charset="0"/>
+                <a:cs typeface="Arabic Typesetting" panose="03020402040406030203" pitchFamily="66" charset="-78"/>
+              </a:endParaRPr>
+            </a:p>
+          </p:txBody>
+        </p:sp>
+      </p:grpSp>
+      <p:grpSp>
+        <p:nvGrpSpPr>
+          <p:cNvPr id="138" name="Skupina 137">
+            <a:extLst>
+              <a:ext uri="{FF2B5EF4-FFF2-40B4-BE49-F238E27FC236}">
+                <a16:creationId xmlns:a16="http://schemas.microsoft.com/office/drawing/2014/main" id="{31FEA408-7E88-93BA-BF41-64D6BDDEFB41}"/>
+              </a:ext>
+            </a:extLst>
+          </p:cNvPr>
+          <p:cNvGrpSpPr/>
+          <p:nvPr/>
+        </p:nvGrpSpPr>
+        <p:grpSpPr>
+          <a:xfrm>
+            <a:off x="7246987" y="2969221"/>
+            <a:ext cx="530307" cy="608395"/>
+            <a:chOff x="7733965" y="836051"/>
+            <a:chExt cx="530307" cy="608395"/>
+          </a:xfrm>
+        </p:grpSpPr>
+        <p:grpSp>
+          <p:nvGrpSpPr>
+            <p:cNvPr id="111" name="Skupina 110">
+              <a:extLst>
+                <a:ext uri="{FF2B5EF4-FFF2-40B4-BE49-F238E27FC236}">
+                  <a16:creationId xmlns:a16="http://schemas.microsoft.com/office/drawing/2014/main" id="{BF6E8BC5-210F-8042-0696-343594E6DB9A}"/>
+                </a:ext>
+              </a:extLst>
+            </p:cNvPr>
+            <p:cNvGrpSpPr/>
+            <p:nvPr/>
+          </p:nvGrpSpPr>
+          <p:grpSpPr>
+            <a:xfrm>
+              <a:off x="7733965" y="836051"/>
+              <a:ext cx="530307" cy="608395"/>
+              <a:chOff x="7366695" y="575701"/>
+              <a:chExt cx="530307" cy="608395"/>
+            </a:xfrm>
+          </p:grpSpPr>
+          <p:sp>
+            <p:nvSpPr>
+              <p:cNvPr id="20" name="Rovnoramenný trojuholník 19">
+                <a:extLst>
+                  <a:ext uri="{FF2B5EF4-FFF2-40B4-BE49-F238E27FC236}">
+                    <a16:creationId xmlns:a16="http://schemas.microsoft.com/office/drawing/2014/main" id="{4E2DE6C9-0F6B-AAB8-3ED2-7B568905CAB1}"/>
+                  </a:ext>
+                </a:extLst>
+              </p:cNvPr>
+              <p:cNvSpPr/>
+              <p:nvPr/>
+            </p:nvSpPr>
+            <p:spPr>
+              <a:xfrm>
+                <a:off x="7429442" y="983608"/>
+                <a:ext cx="398688" cy="200488"/>
+              </a:xfrm>
+              <a:prstGeom prst="triangle">
+                <a:avLst/>
+              </a:prstGeom>
+              <a:solidFill>
+                <a:schemeClr val="bg1"/>
+              </a:solidFill>
+              <a:ln w="28575">
+                <a:solidFill>
+                  <a:schemeClr val="tx2"/>
+                </a:solidFill>
+              </a:ln>
+            </p:spPr>
+            <p:style>
+              <a:lnRef idx="2">
+                <a:schemeClr val="accent1">
+                  <a:shade val="15000"/>
+                </a:schemeClr>
+              </a:lnRef>
+              <a:fillRef idx="1">
+                <a:schemeClr val="accent1"/>
+              </a:fillRef>
+              <a:effectRef idx="0">
+                <a:schemeClr val="accent1"/>
+              </a:effectRef>
+              <a:fontRef idx="minor">
+                <a:schemeClr val="lt1"/>
+              </a:fontRef>
+            </p:style>
+            <p:txBody>
+              <a:bodyPr rtlCol="0" anchor="ctr"/>
+              <a:lstStyle/>
+              <a:p>
+                <a:pPr algn="ctr"/>
+                <a:endParaRPr lang="en-US"/>
+              </a:p>
+            </p:txBody>
+          </p:sp>
+          <p:grpSp>
+            <p:nvGrpSpPr>
+              <p:cNvPr id="110" name="Skupina 109">
+                <a:extLst>
+                  <a:ext uri="{FF2B5EF4-FFF2-40B4-BE49-F238E27FC236}">
+                    <a16:creationId xmlns:a16="http://schemas.microsoft.com/office/drawing/2014/main" id="{99511FF7-026E-6217-FF00-ACEC365C5E68}"/>
+                  </a:ext>
+                </a:extLst>
+              </p:cNvPr>
+              <p:cNvGrpSpPr/>
+              <p:nvPr/>
+            </p:nvGrpSpPr>
+            <p:grpSpPr>
+              <a:xfrm>
+                <a:off x="7366695" y="575701"/>
+                <a:ext cx="530307" cy="534388"/>
+                <a:chOff x="7445414" y="1367334"/>
+                <a:chExt cx="530307" cy="534388"/>
+              </a:xfrm>
+            </p:grpSpPr>
+            <p:grpSp>
+              <p:nvGrpSpPr>
+                <p:cNvPr id="13" name="Skupina 12">
+                  <a:extLst>
+                    <a:ext uri="{FF2B5EF4-FFF2-40B4-BE49-F238E27FC236}">
+                      <a16:creationId xmlns:a16="http://schemas.microsoft.com/office/drawing/2014/main" id="{BBCFC35C-A95E-0AA4-6502-46EBEEA3E2A1}"/>
+                    </a:ext>
+                  </a:extLst>
+                </p:cNvPr>
+                <p:cNvGrpSpPr/>
+                <p:nvPr/>
+              </p:nvGrpSpPr>
+              <p:grpSpPr>
+                <a:xfrm>
+                  <a:off x="7445414" y="1367334"/>
+                  <a:ext cx="530307" cy="534388"/>
+                  <a:chOff x="7445414" y="1367334"/>
+                  <a:chExt cx="530307" cy="534388"/>
+                </a:xfrm>
+              </p:grpSpPr>
+              <p:sp>
+                <p:nvSpPr>
+                  <p:cNvPr id="8" name="Ovál 7">
+                    <a:extLst>
+                      <a:ext uri="{FF2B5EF4-FFF2-40B4-BE49-F238E27FC236}">
+                        <a16:creationId xmlns:a16="http://schemas.microsoft.com/office/drawing/2014/main" id="{E4644A40-B3B7-68C1-5D8E-6F1ABE9DF728}"/>
+                      </a:ext>
+                    </a:extLst>
+                  </p:cNvPr>
+                  <p:cNvSpPr/>
+                  <p:nvPr/>
+                </p:nvSpPr>
+                <p:spPr>
+                  <a:xfrm>
+                    <a:off x="7445414" y="1367334"/>
+                    <a:ext cx="530307" cy="534388"/>
+                  </a:xfrm>
+                  <a:prstGeom prst="ellipse">
+                    <a:avLst/>
+                  </a:prstGeom>
+                  <a:solidFill>
+                    <a:schemeClr val="bg1"/>
+                  </a:solidFill>
+                  <a:ln w="28575">
+                    <a:solidFill>
+                      <a:schemeClr val="tx2"/>
+                    </a:solidFill>
+                  </a:ln>
+                </p:spPr>
+                <p:style>
+                  <a:lnRef idx="2">
+                    <a:schemeClr val="accent1">
+                      <a:shade val="15000"/>
+                    </a:schemeClr>
+                  </a:lnRef>
+                  <a:fillRef idx="1">
+                    <a:schemeClr val="accent1"/>
+                  </a:fillRef>
+                  <a:effectRef idx="0">
+                    <a:schemeClr val="accent1"/>
+                  </a:effectRef>
+                  <a:fontRef idx="minor">
+                    <a:schemeClr val="lt1"/>
+                  </a:fontRef>
+                </p:style>
+                <p:txBody>
+                  <a:bodyPr rtlCol="0" anchor="ctr"/>
+                  <a:lstStyle/>
+                  <a:p>
+                    <a:pPr algn="ctr"/>
+                    <a:endParaRPr lang="en-US" dirty="0"/>
+                  </a:p>
+                </p:txBody>
+              </p:sp>
+              <p:sp>
+                <p:nvSpPr>
+                  <p:cNvPr id="9" name="Ovál 8">
+                    <a:extLst>
+                      <a:ext uri="{FF2B5EF4-FFF2-40B4-BE49-F238E27FC236}">
+                        <a16:creationId xmlns:a16="http://schemas.microsoft.com/office/drawing/2014/main" id="{89F1B31C-46AE-C093-2073-440CD02987AC}"/>
+                      </a:ext>
+                    </a:extLst>
+                  </p:cNvPr>
+                  <p:cNvSpPr/>
+                  <p:nvPr/>
+                </p:nvSpPr>
+                <p:spPr>
+                  <a:xfrm>
+                    <a:off x="7489121" y="1674282"/>
+                    <a:ext cx="144000" cy="144000"/>
+                  </a:xfrm>
+                  <a:prstGeom prst="ellipse">
+                    <a:avLst/>
+                  </a:prstGeom>
+                  <a:solidFill>
+                    <a:schemeClr val="bg1"/>
+                  </a:solidFill>
+                  <a:ln w="28575">
+                    <a:solidFill>
+                      <a:schemeClr val="tx2"/>
+                    </a:solidFill>
+                  </a:ln>
+                </p:spPr>
+                <p:style>
+                  <a:lnRef idx="2">
+                    <a:schemeClr val="accent1">
+                      <a:shade val="15000"/>
+                    </a:schemeClr>
+                  </a:lnRef>
+                  <a:fillRef idx="1">
+                    <a:schemeClr val="accent1"/>
+                  </a:fillRef>
+                  <a:effectRef idx="0">
+                    <a:schemeClr val="accent1"/>
+                  </a:effectRef>
+                  <a:fontRef idx="minor">
+                    <a:schemeClr val="lt1"/>
+                  </a:fontRef>
+                </p:style>
+                <p:txBody>
+                  <a:bodyPr rtlCol="0" anchor="ctr"/>
+                  <a:lstStyle/>
+                  <a:p>
+                    <a:pPr algn="ctr"/>
+                    <a:endParaRPr lang="en-US" dirty="0"/>
+                  </a:p>
+                </p:txBody>
+              </p:sp>
+              <p:sp>
+                <p:nvSpPr>
+                  <p:cNvPr id="11" name="Ovál 10">
+                    <a:extLst>
+                      <a:ext uri="{FF2B5EF4-FFF2-40B4-BE49-F238E27FC236}">
+                        <a16:creationId xmlns:a16="http://schemas.microsoft.com/office/drawing/2014/main" id="{CDA92D7E-4919-803B-AED0-D8E87CE43960}"/>
+                      </a:ext>
+                    </a:extLst>
+                  </p:cNvPr>
+                  <p:cNvSpPr/>
+                  <p:nvPr/>
+                </p:nvSpPr>
+                <p:spPr>
+                  <a:xfrm>
+                    <a:off x="7781888" y="1674282"/>
+                    <a:ext cx="144000" cy="144000"/>
+                  </a:xfrm>
+                  <a:prstGeom prst="ellipse">
+                    <a:avLst/>
+                  </a:prstGeom>
+                  <a:solidFill>
+                    <a:schemeClr val="bg1"/>
+                  </a:solidFill>
+                  <a:ln w="28575">
+                    <a:solidFill>
+                      <a:schemeClr val="tx2"/>
+                    </a:solidFill>
+                  </a:ln>
+                </p:spPr>
+                <p:style>
+                  <a:lnRef idx="2">
+                    <a:schemeClr val="accent1">
+                      <a:shade val="15000"/>
+                    </a:schemeClr>
+                  </a:lnRef>
+                  <a:fillRef idx="1">
+                    <a:schemeClr val="accent1"/>
+                  </a:fillRef>
+                  <a:effectRef idx="0">
+                    <a:schemeClr val="accent1"/>
+                  </a:effectRef>
+                  <a:fontRef idx="minor">
+                    <a:schemeClr val="lt1"/>
+                  </a:fontRef>
+                </p:style>
+                <p:txBody>
+                  <a:bodyPr rtlCol="0" anchor="ctr"/>
+                  <a:lstStyle/>
+                  <a:p>
+                    <a:pPr algn="ctr"/>
+                    <a:endParaRPr lang="en-US" dirty="0"/>
+                  </a:p>
+                </p:txBody>
+              </p:sp>
+            </p:grpSp>
+            <p:sp>
+              <p:nvSpPr>
+                <p:cNvPr id="12" name="Ovál 11">
+                  <a:extLst>
+                    <a:ext uri="{FF2B5EF4-FFF2-40B4-BE49-F238E27FC236}">
+                      <a16:creationId xmlns:a16="http://schemas.microsoft.com/office/drawing/2014/main" id="{767E976C-C82D-7082-90D8-77ED3A3E784D}"/>
+                    </a:ext>
+                  </a:extLst>
+                </p:cNvPr>
+                <p:cNvSpPr/>
+                <p:nvPr/>
+              </p:nvSpPr>
+              <p:spPr>
+                <a:xfrm>
+                  <a:off x="7633121" y="1389365"/>
+                  <a:ext cx="144000" cy="144000"/>
+                </a:xfrm>
+                <a:prstGeom prst="ellipse">
+                  <a:avLst/>
+                </a:prstGeom>
+                <a:solidFill>
+                  <a:schemeClr val="bg1"/>
+                </a:solidFill>
+                <a:ln w="28575">
+                  <a:solidFill>
+                    <a:schemeClr val="tx2"/>
+                  </a:solidFill>
+                </a:ln>
+              </p:spPr>
+              <p:style>
+                <a:lnRef idx="2">
+                  <a:schemeClr val="accent1">
+                    <a:shade val="15000"/>
+                  </a:schemeClr>
+                </a:lnRef>
+                <a:fillRef idx="1">
+                  <a:schemeClr val="accent1"/>
+                </a:fillRef>
+                <a:effectRef idx="0">
+                  <a:schemeClr val="accent1"/>
+                </a:effectRef>
+                <a:fontRef idx="minor">
+                  <a:schemeClr val="lt1"/>
+                </a:fontRef>
+              </p:style>
+              <p:txBody>
+                <a:bodyPr rtlCol="0" anchor="ctr"/>
+                <a:lstStyle/>
+                <a:p>
+                  <a:pPr algn="ctr"/>
+                  <a:endParaRPr lang="en-US" dirty="0"/>
+                </a:p>
+              </p:txBody>
+            </p:sp>
+          </p:grpSp>
+        </p:grpSp>
+        <p:cxnSp>
+          <p:nvCxnSpPr>
+            <p:cNvPr id="114" name="Rovná spojnica 113">
+              <a:extLst>
+                <a:ext uri="{FF2B5EF4-FFF2-40B4-BE49-F238E27FC236}">
+                  <a16:creationId xmlns:a16="http://schemas.microsoft.com/office/drawing/2014/main" id="{1B005CE9-9716-01F2-DFBE-C5A35633183B}"/>
+                </a:ext>
+              </a:extLst>
+            </p:cNvPr>
+            <p:cNvCxnSpPr>
+              <a:cxnSpLocks/>
+              <a:stCxn id="12" idx="1"/>
+              <a:endCxn id="9" idx="1"/>
+            </p:cNvCxnSpPr>
+            <p:nvPr/>
+          </p:nvCxnSpPr>
+          <p:spPr>
+            <a:xfrm flipH="1">
+              <a:off x="7798760" y="879170"/>
+              <a:ext cx="144000" cy="284917"/>
+            </a:xfrm>
+            <a:prstGeom prst="line">
+              <a:avLst/>
+            </a:prstGeom>
+            <a:ln w="19050">
+              <a:solidFill>
+                <a:schemeClr val="tx2"/>
+              </a:solidFill>
+            </a:ln>
+          </p:spPr>
+          <p:style>
+            <a:lnRef idx="1">
+              <a:schemeClr val="accent1"/>
+            </a:lnRef>
+            <a:fillRef idx="0">
+              <a:schemeClr val="accent1"/>
+            </a:fillRef>
+            <a:effectRef idx="0">
+              <a:schemeClr val="accent1"/>
+            </a:effectRef>
+            <a:fontRef idx="minor">
+              <a:schemeClr val="tx1"/>
+            </a:fontRef>
+          </p:style>
+        </p:cxnSp>
+        <p:cxnSp>
+          <p:nvCxnSpPr>
+            <p:cNvPr id="115" name="Rovná spojnica 114">
+              <a:extLst>
+                <a:ext uri="{FF2B5EF4-FFF2-40B4-BE49-F238E27FC236}">
+                  <a16:creationId xmlns:a16="http://schemas.microsoft.com/office/drawing/2014/main" id="{11107988-300A-E5FA-7CBA-68F5FC9B2441}"/>
+                </a:ext>
+              </a:extLst>
+            </p:cNvPr>
+            <p:cNvCxnSpPr>
+              <a:cxnSpLocks/>
+              <a:stCxn id="12" idx="7"/>
+              <a:endCxn id="11" idx="7"/>
+            </p:cNvCxnSpPr>
+            <p:nvPr/>
+          </p:nvCxnSpPr>
+          <p:spPr>
+            <a:xfrm>
+              <a:off x="8044584" y="879170"/>
+              <a:ext cx="148767" cy="284917"/>
+            </a:xfrm>
+            <a:prstGeom prst="line">
+              <a:avLst/>
+            </a:prstGeom>
+            <a:ln w="19050">
+              <a:solidFill>
+                <a:schemeClr val="tx2"/>
+              </a:solidFill>
+            </a:ln>
+          </p:spPr>
+          <p:style>
+            <a:lnRef idx="1">
+              <a:schemeClr val="accent1"/>
+            </a:lnRef>
+            <a:fillRef idx="0">
+              <a:schemeClr val="accent1"/>
+            </a:fillRef>
+            <a:effectRef idx="0">
+              <a:schemeClr val="accent1"/>
+            </a:effectRef>
+            <a:fontRef idx="minor">
+              <a:schemeClr val="tx1"/>
+            </a:fontRef>
+          </p:style>
+        </p:cxnSp>
+        <p:cxnSp>
+          <p:nvCxnSpPr>
+            <p:cNvPr id="135" name="Rovná spojnica 134">
+              <a:extLst>
+                <a:ext uri="{FF2B5EF4-FFF2-40B4-BE49-F238E27FC236}">
+                  <a16:creationId xmlns:a16="http://schemas.microsoft.com/office/drawing/2014/main" id="{502A65D6-742A-7272-F4EF-B8246EBB5ACE}"/>
+                </a:ext>
+              </a:extLst>
+            </p:cNvPr>
+            <p:cNvCxnSpPr>
+              <a:cxnSpLocks/>
+              <a:stCxn id="9" idx="4"/>
+              <a:endCxn id="11" idx="4"/>
+            </p:cNvCxnSpPr>
+            <p:nvPr/>
+          </p:nvCxnSpPr>
+          <p:spPr>
+            <a:xfrm>
+              <a:off x="7849672" y="1286999"/>
+              <a:ext cx="292767" cy="0"/>
+            </a:xfrm>
+            <a:prstGeom prst="line">
+              <a:avLst/>
+            </a:prstGeom>
+            <a:ln w="19050">
+              <a:solidFill>
+                <a:schemeClr val="tx2"/>
+              </a:solidFill>
+            </a:ln>
+          </p:spPr>
+          <p:style>
+            <a:lnRef idx="1">
+              <a:schemeClr val="accent1"/>
+            </a:lnRef>
+            <a:fillRef idx="0">
+              <a:schemeClr val="accent1"/>
+            </a:fillRef>
+            <a:effectRef idx="0">
+              <a:schemeClr val="accent1"/>
+            </a:effectRef>
+            <a:fontRef idx="minor">
+              <a:schemeClr val="tx1"/>
+            </a:fontRef>
+          </p:style>
+        </p:cxnSp>
+      </p:grpSp>
+    </p:spTree>
+    <p:extLst>
+      <p:ext uri="{BB962C8B-B14F-4D97-AF65-F5344CB8AC3E}">
+        <p14:creationId xmlns:p14="http://schemas.microsoft.com/office/powerpoint/2010/main" val="600528538"/>
+      </p:ext>
+    </p:extLst>
+  </p:cSld>
+  <p:clrMapOvr>
+    <a:masterClrMapping/>
+  </p:clrMapOvr>
+</p:sld>
+</file>
+
+<file path=ppt/slides/slide4.xml><?xml version="1.0" encoding="utf-8"?>
+<p:sld xmlns:a="http://schemas.openxmlformats.org/drawingml/2006/main" xmlns:r="http://schemas.openxmlformats.org/officeDocument/2006/relationships" xmlns:p="http://schemas.openxmlformats.org/presentationml/2006/main">
+  <p:cSld>
+    <p:spTree>
+      <p:nvGrpSpPr>
+        <p:cNvPr id="1" name=""/>
+        <p:cNvGrpSpPr/>
+        <p:nvPr/>
+      </p:nvGrpSpPr>
+      <p:grpSpPr>
+        <a:xfrm>
+          <a:off x="0" y="0"/>
+          <a:ext cx="0" cy="0"/>
+          <a:chOff x="0" y="0"/>
+          <a:chExt cx="0" cy="0"/>
+        </a:xfrm>
+      </p:grpSpPr>
       <p:grpSp>
         <p:nvGrpSpPr>
           <p:cNvPr id="40" name="Skupina 39">
